--- a/Document.pptx
+++ b/Document.pptx
@@ -9,15 +9,16 @@
     <p:sldId id="257" r:id="rId3"/>
     <p:sldId id="258" r:id="rId4"/>
     <p:sldId id="259" r:id="rId5"/>
-    <p:sldId id="260" r:id="rId6"/>
-    <p:sldId id="261" r:id="rId7"/>
-    <p:sldId id="264" r:id="rId8"/>
-    <p:sldId id="263" r:id="rId9"/>
-    <p:sldId id="265" r:id="rId10"/>
-    <p:sldId id="262" r:id="rId11"/>
-    <p:sldId id="266" r:id="rId12"/>
-    <p:sldId id="267" r:id="rId13"/>
-    <p:sldId id="268" r:id="rId14"/>
+    <p:sldId id="268" r:id="rId6"/>
+    <p:sldId id="260" r:id="rId7"/>
+    <p:sldId id="261" r:id="rId8"/>
+    <p:sldId id="264" r:id="rId9"/>
+    <p:sldId id="263" r:id="rId10"/>
+    <p:sldId id="265" r:id="rId11"/>
+    <p:sldId id="262" r:id="rId12"/>
+    <p:sldId id="266" r:id="rId13"/>
+    <p:sldId id="267" r:id="rId14"/>
+    <p:sldId id="269" r:id="rId15"/>
   </p:sldIdLst>
   <p:sldSz cx="12192000" cy="6858000"/>
   <p:notesSz cx="6858000" cy="9144000"/>
@@ -271,7 +272,7 @@
           <a:p>
             <a:fld id="{5CCCC0B6-2B48-4980-8A18-8FE66188D579}" type="datetimeFigureOut">
               <a:rPr kumimoji="1" lang="ja-JP" altLang="en-US" smtClean="0"/>
-              <a:t>2019/4/18</a:t>
+              <a:t>2019/4/19</a:t>
             </a:fld>
             <a:endParaRPr kumimoji="1" lang="ja-JP" altLang="en-US"/>
           </a:p>
@@ -501,7 +502,7 @@
           <a:p>
             <a:fld id="{5CCCC0B6-2B48-4980-8A18-8FE66188D579}" type="datetimeFigureOut">
               <a:rPr kumimoji="1" lang="ja-JP" altLang="en-US" smtClean="0"/>
-              <a:t>2019/4/18</a:t>
+              <a:t>2019/4/19</a:t>
             </a:fld>
             <a:endParaRPr kumimoji="1" lang="ja-JP" altLang="en-US"/>
           </a:p>
@@ -741,7 +742,7 @@
           <a:p>
             <a:fld id="{5CCCC0B6-2B48-4980-8A18-8FE66188D579}" type="datetimeFigureOut">
               <a:rPr kumimoji="1" lang="ja-JP" altLang="en-US" smtClean="0"/>
-              <a:t>2019/4/18</a:t>
+              <a:t>2019/4/19</a:t>
             </a:fld>
             <a:endParaRPr kumimoji="1" lang="ja-JP" altLang="en-US"/>
           </a:p>
@@ -971,7 +972,7 @@
           <a:p>
             <a:fld id="{5CCCC0B6-2B48-4980-8A18-8FE66188D579}" type="datetimeFigureOut">
               <a:rPr kumimoji="1" lang="ja-JP" altLang="en-US" smtClean="0"/>
-              <a:t>2019/4/18</a:t>
+              <a:t>2019/4/19</a:t>
             </a:fld>
             <a:endParaRPr kumimoji="1" lang="ja-JP" altLang="en-US"/>
           </a:p>
@@ -1246,7 +1247,7 @@
           <a:p>
             <a:fld id="{5CCCC0B6-2B48-4980-8A18-8FE66188D579}" type="datetimeFigureOut">
               <a:rPr kumimoji="1" lang="ja-JP" altLang="en-US" smtClean="0"/>
-              <a:t>2019/4/18</a:t>
+              <a:t>2019/4/19</a:t>
             </a:fld>
             <a:endParaRPr kumimoji="1" lang="ja-JP" altLang="en-US"/>
           </a:p>
@@ -1575,7 +1576,7 @@
           <a:p>
             <a:fld id="{5CCCC0B6-2B48-4980-8A18-8FE66188D579}" type="datetimeFigureOut">
               <a:rPr kumimoji="1" lang="ja-JP" altLang="en-US" smtClean="0"/>
-              <a:t>2019/4/18</a:t>
+              <a:t>2019/4/19</a:t>
             </a:fld>
             <a:endParaRPr kumimoji="1" lang="ja-JP" altLang="en-US"/>
           </a:p>
@@ -2051,7 +2052,7 @@
           <a:p>
             <a:fld id="{5CCCC0B6-2B48-4980-8A18-8FE66188D579}" type="datetimeFigureOut">
               <a:rPr kumimoji="1" lang="ja-JP" altLang="en-US" smtClean="0"/>
-              <a:t>2019/4/18</a:t>
+              <a:t>2019/4/19</a:t>
             </a:fld>
             <a:endParaRPr kumimoji="1" lang="ja-JP" altLang="en-US"/>
           </a:p>
@@ -2192,7 +2193,7 @@
           <a:p>
             <a:fld id="{5CCCC0B6-2B48-4980-8A18-8FE66188D579}" type="datetimeFigureOut">
               <a:rPr kumimoji="1" lang="ja-JP" altLang="en-US" smtClean="0"/>
-              <a:t>2019/4/18</a:t>
+              <a:t>2019/4/19</a:t>
             </a:fld>
             <a:endParaRPr kumimoji="1" lang="ja-JP" altLang="en-US"/>
           </a:p>
@@ -2305,7 +2306,7 @@
           <a:p>
             <a:fld id="{5CCCC0B6-2B48-4980-8A18-8FE66188D579}" type="datetimeFigureOut">
               <a:rPr kumimoji="1" lang="ja-JP" altLang="en-US" smtClean="0"/>
-              <a:t>2019/4/18</a:t>
+              <a:t>2019/4/19</a:t>
             </a:fld>
             <a:endParaRPr kumimoji="1" lang="ja-JP" altLang="en-US"/>
           </a:p>
@@ -2648,7 +2649,7 @@
           <a:p>
             <a:fld id="{5CCCC0B6-2B48-4980-8A18-8FE66188D579}" type="datetimeFigureOut">
               <a:rPr kumimoji="1" lang="ja-JP" altLang="en-US" smtClean="0"/>
-              <a:t>2019/4/18</a:t>
+              <a:t>2019/4/19</a:t>
             </a:fld>
             <a:endParaRPr kumimoji="1" lang="ja-JP" altLang="en-US"/>
           </a:p>
@@ -2936,7 +2937,7 @@
           <a:p>
             <a:fld id="{5CCCC0B6-2B48-4980-8A18-8FE66188D579}" type="datetimeFigureOut">
               <a:rPr kumimoji="1" lang="ja-JP" altLang="en-US" smtClean="0"/>
-              <a:t>2019/4/18</a:t>
+              <a:t>2019/4/19</a:t>
             </a:fld>
             <a:endParaRPr kumimoji="1" lang="ja-JP" altLang="en-US"/>
           </a:p>
@@ -3209,7 +3210,7 @@
           <a:p>
             <a:fld id="{5CCCC0B6-2B48-4980-8A18-8FE66188D579}" type="datetimeFigureOut">
               <a:rPr kumimoji="1" lang="ja-JP" altLang="en-US" smtClean="0"/>
-              <a:t>2019/4/18</a:t>
+              <a:t>2019/4/19</a:t>
             </a:fld>
             <a:endParaRPr kumimoji="1" lang="ja-JP" altLang="en-US"/>
           </a:p>
@@ -3737,7 +3738,7 @@
             </a:r>
             <a:r>
               <a:rPr lang="en-US" altLang="ja-JP" dirty="0"/>
-              <a:t>(Forensics/Steganography)</a:t>
+              <a:t>(Web)</a:t>
             </a:r>
             <a:endParaRPr kumimoji="1" lang="ja-JP" altLang="en-US" dirty="0"/>
           </a:p>
@@ -3761,151 +3762,111 @@
         </p:nvSpPr>
         <p:spPr/>
         <p:txBody>
-          <a:bodyPr>
-            <a:normAutofit/>
-          </a:bodyPr>
-          <a:lstStyle/>
-          <a:p>
+          <a:bodyPr/>
+          <a:lstStyle/>
+          <a:p>
+            <a:r>
+              <a:rPr kumimoji="1" lang="en-US" altLang="ja-JP" dirty="0"/>
+              <a:t>Fiddler </a:t>
+            </a:r>
+            <a:r>
+              <a:rPr kumimoji="1" lang="ja-JP" altLang="en-US" dirty="0"/>
+              <a:t>：</a:t>
+            </a:r>
+            <a:r>
+              <a:rPr lang="ja-JP" altLang="en-US" dirty="0"/>
+              <a:t>ローカルプロキシ</a:t>
+            </a:r>
+            <a:r>
+              <a:rPr kumimoji="1" lang="en-US" altLang="ja-JP" dirty="0"/>
+              <a:t>.</a:t>
+            </a:r>
+          </a:p>
+          <a:p>
+            <a:r>
+              <a:rPr lang="en-US" altLang="ja-JP" dirty="0"/>
+              <a:t>Burp Suite</a:t>
+            </a:r>
+            <a:r>
+              <a:rPr lang="ja-JP" altLang="en-US" dirty="0"/>
+              <a:t>：ローカルプロキシ</a:t>
+            </a:r>
+            <a:r>
+              <a:rPr lang="en-US" altLang="ja-JP" dirty="0"/>
+              <a:t>. Fiddler</a:t>
+            </a:r>
+            <a:r>
+              <a:rPr lang="ja-JP" altLang="en-US" dirty="0"/>
+              <a:t>より多機能</a:t>
+            </a:r>
+            <a:r>
+              <a:rPr lang="en-US" altLang="ja-JP" dirty="0"/>
+              <a:t>.</a:t>
+            </a:r>
+          </a:p>
+          <a:p>
+            <a:r>
+              <a:rPr lang="en-US" altLang="ja-JP" dirty="0"/>
+              <a:t>Online JavaScript Beautifier</a:t>
+            </a:r>
+            <a:r>
+              <a:rPr lang="ja-JP" altLang="en-US" dirty="0"/>
+              <a:t>：</a:t>
+            </a:r>
             <a:r>
               <a:rPr lang="en-US" altLang="ja-JP" dirty="0" err="1"/>
-              <a:t>b</a:t>
-            </a:r>
+              <a:t>js</a:t>
+            </a:r>
+            <a:r>
+              <a:rPr lang="ja-JP" altLang="en-US" dirty="0"/>
+              <a:t>の難読化解除</a:t>
+            </a:r>
+            <a:r>
+              <a:rPr lang="en-US" altLang="ja-JP" dirty="0"/>
+              <a:t>.</a:t>
+            </a:r>
+            <a:endParaRPr kumimoji="1" lang="en-US" altLang="ja-JP" dirty="0"/>
+          </a:p>
+          <a:p>
             <a:r>
               <a:rPr kumimoji="1" lang="en-US" altLang="ja-JP" dirty="0" err="1"/>
-              <a:t>inwalk</a:t>
-            </a:r>
-            <a:r>
-              <a:rPr kumimoji="1" lang="ja-JP" altLang="en-US" dirty="0"/>
-              <a:t>：画像ファイル内にファイルが埋め込まれてるかチェック</a:t>
+              <a:t>EditThisCo</a:t>
+            </a:r>
+            <a:r>
+              <a:rPr lang="en-US" altLang="ja-JP" dirty="0" err="1"/>
+              <a:t>okie</a:t>
+            </a:r>
+            <a:r>
+              <a:rPr lang="ja-JP" altLang="en-US" dirty="0"/>
+              <a:t>：</a:t>
+            </a:r>
+            <a:r>
+              <a:rPr lang="en-US" altLang="ja-JP" dirty="0"/>
+              <a:t>Cookie</a:t>
+            </a:r>
+            <a:r>
+              <a:rPr lang="ja-JP" altLang="en-US" dirty="0"/>
+              <a:t>の編集</a:t>
+            </a:r>
+            <a:r>
+              <a:rPr lang="en-US" altLang="ja-JP" dirty="0"/>
+              <a:t>. </a:t>
+            </a:r>
+            <a:r>
+              <a:rPr lang="ja-JP" altLang="en-US" dirty="0"/>
+              <a:t>ブラウザのアドオン</a:t>
             </a:r>
             <a:r>
               <a:rPr lang="en-US" altLang="ja-JP" dirty="0"/>
               <a:t>.</a:t>
             </a:r>
-            <a:endParaRPr kumimoji="1" lang="en-US" altLang="ja-JP" dirty="0"/>
-          </a:p>
-          <a:p>
-            <a:r>
-              <a:rPr lang="en-US" altLang="ja-JP" dirty="0" err="1"/>
-              <a:t>exiftool</a:t>
-            </a:r>
-            <a:r>
-              <a:rPr lang="ja-JP" altLang="en-US" dirty="0"/>
-              <a:t>：</a:t>
-            </a:r>
-            <a:r>
-              <a:rPr lang="en-US" altLang="ja-JP" dirty="0" err="1"/>
-              <a:t>exif</a:t>
-            </a:r>
-            <a:r>
-              <a:rPr lang="ja-JP" altLang="en-US" dirty="0"/>
-              <a:t>情報の確認</a:t>
-            </a:r>
-            <a:r>
-              <a:rPr lang="en-US" altLang="ja-JP" dirty="0"/>
-              <a:t>.</a:t>
-            </a:r>
-          </a:p>
-          <a:p>
-            <a:r>
-              <a:rPr lang="en-US" altLang="ja-JP" dirty="0" err="1"/>
-              <a:t>XnView</a:t>
-            </a:r>
-            <a:r>
-              <a:rPr lang="ja-JP" altLang="en-US" dirty="0"/>
-              <a:t>：画像編集ソフト</a:t>
-            </a:r>
-            <a:r>
-              <a:rPr lang="en-US" altLang="ja-JP" dirty="0"/>
-              <a:t>.</a:t>
-            </a:r>
-          </a:p>
-          <a:p>
-            <a:r>
-              <a:rPr lang="ja-JP" altLang="en-US" dirty="0"/>
-              <a:t>青い空を見上げればいつもそこに白い猫 ：画像解析</a:t>
-            </a:r>
-            <a:r>
-              <a:rPr lang="en-US" altLang="ja-JP" dirty="0"/>
-              <a:t>.</a:t>
-            </a:r>
-          </a:p>
-          <a:p>
-            <a:r>
-              <a:rPr lang="en-US" altLang="ja-JP" dirty="0" err="1"/>
-              <a:t>tcpdump</a:t>
-            </a:r>
-            <a:r>
-              <a:rPr lang="ja-JP" altLang="en-US" dirty="0"/>
-              <a:t>：ネットワーク通信のキャプチャ</a:t>
-            </a:r>
-            <a:r>
-              <a:rPr lang="en-US" altLang="ja-JP" dirty="0"/>
-              <a:t>&amp;dump.</a:t>
-            </a:r>
-          </a:p>
-          <a:p>
-            <a:r>
-              <a:rPr lang="en-US" altLang="ja-JP" dirty="0"/>
-              <a:t>Wireshark</a:t>
-            </a:r>
-            <a:r>
-              <a:rPr lang="ja-JP" altLang="en-US" dirty="0"/>
-              <a:t>：パケットファイルの解析</a:t>
-            </a:r>
-            <a:r>
-              <a:rPr lang="en-US" altLang="ja-JP" dirty="0"/>
-              <a:t>.</a:t>
-            </a:r>
-          </a:p>
-          <a:p>
-            <a:r>
-              <a:rPr lang="en-US" altLang="ja-JP" dirty="0" err="1"/>
-              <a:t>tshark</a:t>
-            </a:r>
-            <a:r>
-              <a:rPr lang="ja-JP" altLang="en-US" dirty="0"/>
-              <a:t>：</a:t>
-            </a:r>
-            <a:r>
-              <a:rPr lang="en-US" altLang="ja-JP" dirty="0" err="1"/>
-              <a:t>wireshark</a:t>
-            </a:r>
-            <a:r>
-              <a:rPr lang="ja-JP" altLang="en-US" dirty="0"/>
-              <a:t>の</a:t>
-            </a:r>
-            <a:r>
-              <a:rPr lang="en-US" altLang="ja-JP" dirty="0"/>
-              <a:t>CLI</a:t>
-            </a:r>
-            <a:r>
-              <a:rPr lang="ja-JP" altLang="en-US" dirty="0"/>
-              <a:t>版</a:t>
-            </a:r>
-            <a:r>
-              <a:rPr lang="en-US" altLang="ja-JP" dirty="0"/>
-              <a:t>.</a:t>
-            </a:r>
-          </a:p>
-          <a:p>
-            <a:pPr marL="914400" lvl="2" indent="0">
-              <a:buNone/>
-            </a:pPr>
-            <a:r>
-              <a:rPr lang="en-US" altLang="ja-JP" dirty="0"/>
-              <a:t>									</a:t>
-            </a:r>
-          </a:p>
-          <a:p>
-            <a:endParaRPr lang="en-US" altLang="ja-JP" dirty="0"/>
           </a:p>
         </p:txBody>
       </p:sp>
     </p:spTree>
     <p:extLst>
       <p:ext uri="{BB962C8B-B14F-4D97-AF65-F5344CB8AC3E}">
-        <p14:creationId xmlns:p14="http://schemas.microsoft.com/office/powerpoint/2010/main" val="386669722"/>
+        <p14:creationId xmlns:p14="http://schemas.microsoft.com/office/powerpoint/2010/main" val="1393201036"/>
       </p:ext>
     </p:extLst>
   </p:cSld>
@@ -3959,7 +3920,7 @@
             </a:r>
             <a:r>
               <a:rPr lang="en-US" altLang="ja-JP" dirty="0"/>
-              <a:t>(Network)</a:t>
+              <a:t>(Forensics/Steganography)</a:t>
             </a:r>
             <a:endParaRPr kumimoji="1" lang="ja-JP" altLang="en-US" dirty="0"/>
           </a:p>
@@ -3983,61 +3944,127 @@
         </p:nvSpPr>
         <p:spPr/>
         <p:txBody>
-          <a:bodyPr/>
-          <a:lstStyle/>
-          <a:p>
+          <a:bodyPr>
+            <a:normAutofit/>
+          </a:bodyPr>
+          <a:lstStyle/>
+          <a:p>
+            <a:r>
+              <a:rPr lang="en-US" altLang="ja-JP" dirty="0" err="1"/>
+              <a:t>b</a:t>
+            </a:r>
             <a:r>
               <a:rPr kumimoji="1" lang="en-US" altLang="ja-JP" dirty="0" err="1"/>
-              <a:t>wireshark</a:t>
+              <a:t>inwalk</a:t>
             </a:r>
             <a:r>
               <a:rPr kumimoji="1" lang="ja-JP" altLang="en-US" dirty="0"/>
-              <a:t>：パケット解析</a:t>
-            </a:r>
-            <a:r>
-              <a:rPr kumimoji="1" lang="en-US" altLang="ja-JP" dirty="0"/>
+              <a:t>：画像ファイル内にファイルが埋め込まれてるかチェック</a:t>
+            </a:r>
+            <a:r>
+              <a:rPr lang="en-US" altLang="ja-JP" dirty="0"/>
               <a:t>.</a:t>
             </a:r>
+            <a:endParaRPr kumimoji="1" lang="en-US" altLang="ja-JP" dirty="0"/>
           </a:p>
           <a:p>
             <a:r>
               <a:rPr lang="en-US" altLang="ja-JP" dirty="0" err="1"/>
-              <a:t>t</a:t>
-            </a:r>
-            <a:r>
-              <a:rPr kumimoji="1" lang="en-US" altLang="ja-JP" dirty="0" err="1"/>
-              <a:t>shark</a:t>
-            </a:r>
-            <a:r>
-              <a:rPr kumimoji="1" lang="ja-JP" altLang="en-US" dirty="0"/>
+              <a:t>exiftool</a:t>
+            </a:r>
+            <a:r>
+              <a:rPr lang="ja-JP" altLang="en-US" dirty="0"/>
               <a:t>：</a:t>
             </a:r>
             <a:r>
-              <a:rPr kumimoji="1" lang="en-US" altLang="ja-JP" dirty="0"/>
-              <a:t>CLI</a:t>
-            </a:r>
-            <a:r>
-              <a:rPr kumimoji="1" lang="ja-JP" altLang="en-US" dirty="0"/>
-              <a:t>版</a:t>
+              <a:rPr lang="en-US" altLang="ja-JP" dirty="0" err="1"/>
+              <a:t>exif</a:t>
+            </a:r>
+            <a:r>
+              <a:rPr lang="ja-JP" altLang="en-US" dirty="0"/>
+              <a:t>情報の確認</a:t>
+            </a:r>
+            <a:r>
+              <a:rPr lang="en-US" altLang="ja-JP" dirty="0"/>
+              <a:t>.</a:t>
+            </a:r>
+          </a:p>
+          <a:p>
+            <a:r>
+              <a:rPr lang="en-US" altLang="ja-JP" dirty="0" err="1"/>
+              <a:t>XnView</a:t>
+            </a:r>
+            <a:r>
+              <a:rPr lang="ja-JP" altLang="en-US" dirty="0"/>
+              <a:t>：画像編集ソフト</a:t>
+            </a:r>
+            <a:r>
+              <a:rPr lang="en-US" altLang="ja-JP" dirty="0"/>
+              <a:t>.</a:t>
+            </a:r>
+          </a:p>
+          <a:p>
+            <a:r>
+              <a:rPr lang="ja-JP" altLang="en-US" dirty="0"/>
+              <a:t>青い空を見上げればいつもそこに白い猫 ：画像解析</a:t>
+            </a:r>
+            <a:r>
+              <a:rPr lang="en-US" altLang="ja-JP" dirty="0"/>
+              <a:t>.</a:t>
+            </a:r>
+          </a:p>
+          <a:p>
+            <a:r>
+              <a:rPr lang="en-US" altLang="ja-JP" dirty="0" err="1"/>
+              <a:t>tcpdump</a:t>
+            </a:r>
+            <a:r>
+              <a:rPr lang="ja-JP" altLang="en-US" dirty="0"/>
+              <a:t>：ネットワーク通信のキャプチャ</a:t>
+            </a:r>
+            <a:r>
+              <a:rPr lang="en-US" altLang="ja-JP" dirty="0"/>
+              <a:t>&amp;dump.</a:t>
+            </a:r>
+          </a:p>
+          <a:p>
+            <a:r>
+              <a:rPr lang="en-US" altLang="ja-JP" dirty="0"/>
+              <a:t>Wireshark</a:t>
+            </a:r>
+            <a:r>
+              <a:rPr lang="ja-JP" altLang="en-US" dirty="0"/>
+              <a:t>：パケットファイルの解析</a:t>
+            </a:r>
+            <a:r>
+              <a:rPr lang="en-US" altLang="ja-JP" dirty="0"/>
+              <a:t>.</a:t>
+            </a:r>
+          </a:p>
+          <a:p>
+            <a:r>
+              <a:rPr lang="en-US" altLang="ja-JP" dirty="0" err="1"/>
+              <a:t>tshark</a:t>
+            </a:r>
+            <a:r>
+              <a:rPr lang="ja-JP" altLang="en-US" dirty="0"/>
+              <a:t>：</a:t>
             </a:r>
             <a:r>
               <a:rPr lang="en-US" altLang="ja-JP" dirty="0" err="1"/>
               <a:t>wireshark</a:t>
             </a:r>
-            <a:endParaRPr kumimoji="1" lang="en-US" altLang="ja-JP" dirty="0"/>
-          </a:p>
-          <a:p>
-            <a:r>
-              <a:rPr lang="en-US" altLang="ja-JP" dirty="0" err="1"/>
-              <a:t>aircrack</a:t>
-            </a:r>
-            <a:r>
-              <a:rPr lang="en-US" altLang="ja-JP" dirty="0"/>
-              <a:t>-ng</a:t>
-            </a:r>
-            <a:r>
-              <a:rPr lang="ja-JP" altLang="en-US" dirty="0"/>
-              <a:t>：無線クラッキングツール</a:t>
+            <a:r>
+              <a:rPr lang="ja-JP" altLang="en-US" dirty="0"/>
+              <a:t>の</a:t>
+            </a:r>
+            <a:r>
+              <a:rPr lang="en-US" altLang="ja-JP" dirty="0"/>
+              <a:t>CLI</a:t>
+            </a:r>
+            <a:r>
+              <a:rPr lang="ja-JP" altLang="en-US" dirty="0"/>
+              <a:t>版</a:t>
             </a:r>
             <a:r>
               <a:rPr lang="en-US" altLang="ja-JP" dirty="0"/>
@@ -4045,14 +4072,23 @@
             </a:r>
           </a:p>
           <a:p>
-            <a:endParaRPr kumimoji="1" lang="ja-JP" altLang="en-US" dirty="0"/>
+            <a:pPr marL="914400" lvl="2" indent="0">
+              <a:buNone/>
+            </a:pPr>
+            <a:r>
+              <a:rPr lang="en-US" altLang="ja-JP" dirty="0"/>
+              <a:t>									</a:t>
+            </a:r>
+          </a:p>
+          <a:p>
+            <a:endParaRPr lang="en-US" altLang="ja-JP" dirty="0"/>
           </a:p>
         </p:txBody>
       </p:sp>
     </p:spTree>
     <p:extLst>
       <p:ext uri="{BB962C8B-B14F-4D97-AF65-F5344CB8AC3E}">
-        <p14:creationId xmlns:p14="http://schemas.microsoft.com/office/powerpoint/2010/main" val="1592945824"/>
+        <p14:creationId xmlns:p14="http://schemas.microsoft.com/office/powerpoint/2010/main" val="386669722"/>
       </p:ext>
     </p:extLst>
   </p:cSld>
@@ -4084,7 +4120,7 @@
           <p:cNvPr id="2" name="タイトル 1">
             <a:extLst>
               <a:ext uri="{FF2B5EF4-FFF2-40B4-BE49-F238E27FC236}">
-                <a16:creationId xmlns:a16="http://schemas.microsoft.com/office/drawing/2014/main" id="{1453B970-1933-44C2-AC3A-C7FBE7C480E2}"/>
+                <a16:creationId xmlns:a16="http://schemas.microsoft.com/office/drawing/2014/main" id="{35EB21FE-DBE7-46B9-9FE5-A07C056FD636}"/>
               </a:ext>
             </a:extLst>
           </p:cNvPr>
@@ -4101,85 +4137,45 @@
           <a:lstStyle/>
           <a:p>
             <a:r>
+              <a:rPr lang="ja-JP" altLang="en-US" dirty="0"/>
+              <a:t>ツールの紹介</a:t>
+            </a:r>
+            <a:r>
+              <a:rPr lang="en-US" altLang="ja-JP" dirty="0"/>
+              <a:t>(Network)</a:t>
+            </a:r>
+            <a:endParaRPr kumimoji="1" lang="ja-JP" altLang="en-US" dirty="0"/>
+          </a:p>
+        </p:txBody>
+      </p:sp>
+      <p:sp>
+        <p:nvSpPr>
+          <p:cNvPr id="3" name="コンテンツ プレースホルダー 2">
+            <a:extLst>
+              <a:ext uri="{FF2B5EF4-FFF2-40B4-BE49-F238E27FC236}">
+                <a16:creationId xmlns:a16="http://schemas.microsoft.com/office/drawing/2014/main" id="{187CE8A0-473B-4EB3-AE6E-6473751C493F}"/>
+              </a:ext>
+            </a:extLst>
+          </p:cNvPr>
+          <p:cNvSpPr>
+            <a:spLocks noGrp="1"/>
+          </p:cNvSpPr>
+          <p:nvPr>
+            <p:ph idx="1"/>
+          </p:nvPr>
+        </p:nvSpPr>
+        <p:spPr/>
+        <p:txBody>
+          <a:bodyPr/>
+          <a:lstStyle/>
+          <a:p>
+            <a:r>
+              <a:rPr kumimoji="1" lang="en-US" altLang="ja-JP" dirty="0" err="1"/>
+              <a:t>wireshark</a:t>
+            </a:r>
+            <a:r>
               <a:rPr kumimoji="1" lang="ja-JP" altLang="en-US" dirty="0"/>
-              <a:t>ツールの紹介</a:t>
-            </a:r>
-            <a:r>
-              <a:rPr kumimoji="1" lang="en-US" altLang="ja-JP" dirty="0"/>
-              <a:t>(</a:t>
-            </a:r>
-            <a:r>
-              <a:rPr kumimoji="1" lang="ja-JP" altLang="en-US" dirty="0"/>
-              <a:t>その他</a:t>
-            </a:r>
-            <a:r>
-              <a:rPr kumimoji="1" lang="en-US" altLang="ja-JP" dirty="0"/>
-              <a:t>)</a:t>
-            </a:r>
-            <a:endParaRPr kumimoji="1" lang="ja-JP" altLang="en-US" dirty="0"/>
-          </a:p>
-        </p:txBody>
-      </p:sp>
-      <p:sp>
-        <p:nvSpPr>
-          <p:cNvPr id="3" name="コンテンツ プレースホルダー 2">
-            <a:extLst>
-              <a:ext uri="{FF2B5EF4-FFF2-40B4-BE49-F238E27FC236}">
-                <a16:creationId xmlns:a16="http://schemas.microsoft.com/office/drawing/2014/main" id="{9AC3E5D8-549F-435C-B98E-F9822333D074}"/>
-              </a:ext>
-            </a:extLst>
-          </p:cNvPr>
-          <p:cNvSpPr>
-            <a:spLocks noGrp="1"/>
-          </p:cNvSpPr>
-          <p:nvPr>
-            <p:ph idx="1"/>
-          </p:nvPr>
-        </p:nvSpPr>
-        <p:spPr/>
-        <p:txBody>
-          <a:bodyPr/>
-          <a:lstStyle/>
-          <a:p>
-            <a:r>
-              <a:rPr lang="en-US" altLang="ja-JP" dirty="0"/>
-              <a:t>Google</a:t>
-            </a:r>
-            <a:r>
-              <a:rPr lang="ja-JP" altLang="en-US" dirty="0"/>
-              <a:t>：いわずもがな</a:t>
-            </a:r>
-            <a:r>
-              <a:rPr lang="en-US" altLang="ja-JP" dirty="0"/>
-              <a:t>.</a:t>
-            </a:r>
-          </a:p>
-          <a:p>
-            <a:r>
-              <a:rPr lang="en-US" altLang="ja-JP" dirty="0"/>
-              <a:t>Wikipedia</a:t>
-            </a:r>
-            <a:r>
-              <a:rPr lang="ja-JP" altLang="en-US" dirty="0"/>
-              <a:t>：いわずもがな</a:t>
-            </a:r>
-            <a:r>
-              <a:rPr lang="en-US" altLang="ja-JP" dirty="0"/>
-              <a:t>.</a:t>
-            </a:r>
-          </a:p>
-          <a:p>
-            <a:r>
-              <a:rPr lang="en-US" altLang="ja-JP" dirty="0"/>
-              <a:t>s</a:t>
-            </a:r>
-            <a:r>
-              <a:rPr kumimoji="1" lang="en-US" altLang="ja-JP" dirty="0"/>
-              <a:t>trings</a:t>
-            </a:r>
-            <a:r>
-              <a:rPr kumimoji="1" lang="ja-JP" altLang="en-US" dirty="0"/>
-              <a:t>：バイナリファイルの可視部分を表示</a:t>
+              <a:t>：パケット解析</a:t>
             </a:r>
             <a:r>
               <a:rPr kumimoji="1" lang="en-US" altLang="ja-JP" dirty="0"/>
@@ -4188,12 +4184,43 @@
           </a:p>
           <a:p>
             <a:r>
-              <a:rPr lang="en-US" altLang="ja-JP" dirty="0"/>
-              <a:t>file</a:t>
-            </a:r>
-            <a:r>
-              <a:rPr lang="ja-JP" altLang="en-US" dirty="0"/>
-              <a:t>：ファイルのヘッダーからファイルタイプを調査</a:t>
+              <a:rPr lang="en-US" altLang="ja-JP" dirty="0" err="1"/>
+              <a:t>t</a:t>
+            </a:r>
+            <a:r>
+              <a:rPr kumimoji="1" lang="en-US" altLang="ja-JP" dirty="0" err="1"/>
+              <a:t>shark</a:t>
+            </a:r>
+            <a:r>
+              <a:rPr kumimoji="1" lang="ja-JP" altLang="en-US" dirty="0"/>
+              <a:t>：</a:t>
+            </a:r>
+            <a:r>
+              <a:rPr kumimoji="1" lang="en-US" altLang="ja-JP" dirty="0"/>
+              <a:t>CLI</a:t>
+            </a:r>
+            <a:r>
+              <a:rPr kumimoji="1" lang="ja-JP" altLang="en-US" dirty="0"/>
+              <a:t>版</a:t>
+            </a:r>
+            <a:r>
+              <a:rPr lang="en-US" altLang="ja-JP" dirty="0" err="1"/>
+              <a:t>wireshark</a:t>
+            </a:r>
+            <a:endParaRPr kumimoji="1" lang="en-US" altLang="ja-JP" dirty="0"/>
+          </a:p>
+          <a:p>
+            <a:r>
+              <a:rPr lang="en-US" altLang="ja-JP" dirty="0" err="1"/>
+              <a:t>aircrack</a:t>
+            </a:r>
+            <a:r>
+              <a:rPr lang="en-US" altLang="ja-JP" dirty="0"/>
+              <a:t>-ng</a:t>
+            </a:r>
+            <a:r>
+              <a:rPr lang="ja-JP" altLang="en-US" dirty="0"/>
+              <a:t>：無線クラッキングツール</a:t>
             </a:r>
             <a:r>
               <a:rPr lang="en-US" altLang="ja-JP" dirty="0"/>
@@ -4201,26 +4228,6 @@
             </a:r>
           </a:p>
           <a:p>
-            <a:r>
-              <a:rPr kumimoji="1" lang="en-US" altLang="ja-JP" dirty="0"/>
-              <a:t>Cyber chef</a:t>
-            </a:r>
-            <a:r>
-              <a:rPr kumimoji="1" lang="ja-JP" altLang="en-US" dirty="0"/>
-              <a:t>：いろんなエンコード</a:t>
-            </a:r>
-            <a:r>
-              <a:rPr kumimoji="1" lang="en-US" altLang="ja-JP" dirty="0"/>
-              <a:t>/</a:t>
-            </a:r>
-            <a:r>
-              <a:rPr kumimoji="1" lang="ja-JP" altLang="en-US" dirty="0"/>
-              <a:t>デコード</a:t>
-            </a:r>
-            <a:r>
-              <a:rPr kumimoji="1" lang="en-US" altLang="ja-JP" dirty="0"/>
-              <a:t>.</a:t>
-            </a:r>
             <a:endParaRPr kumimoji="1" lang="ja-JP" altLang="en-US" dirty="0"/>
           </a:p>
         </p:txBody>
@@ -4228,7 +4235,7 @@
     </p:spTree>
     <p:extLst>
       <p:ext uri="{BB962C8B-B14F-4D97-AF65-F5344CB8AC3E}">
-        <p14:creationId xmlns:p14="http://schemas.microsoft.com/office/powerpoint/2010/main" val="2125184413"/>
+        <p14:creationId xmlns:p14="http://schemas.microsoft.com/office/powerpoint/2010/main" val="1592945824"/>
       </p:ext>
     </p:extLst>
   </p:cSld>
@@ -4260,7 +4267,7 @@
           <p:cNvPr id="2" name="タイトル 1">
             <a:extLst>
               <a:ext uri="{FF2B5EF4-FFF2-40B4-BE49-F238E27FC236}">
-                <a16:creationId xmlns:a16="http://schemas.microsoft.com/office/drawing/2014/main" id="{8AAADDB3-5175-4596-81F1-1984DB92A35F}"/>
+                <a16:creationId xmlns:a16="http://schemas.microsoft.com/office/drawing/2014/main" id="{1453B970-1933-44C2-AC3A-C7FBE7C480E2}"/>
               </a:ext>
             </a:extLst>
           </p:cNvPr>
@@ -4276,7 +4283,23 @@
           <a:bodyPr/>
           <a:lstStyle/>
           <a:p>
-            <a:endParaRPr kumimoji="1" lang="ja-JP" altLang="en-US"/>
+            <a:r>
+              <a:rPr kumimoji="1" lang="ja-JP" altLang="en-US" dirty="0"/>
+              <a:t>ツールの紹介</a:t>
+            </a:r>
+            <a:r>
+              <a:rPr kumimoji="1" lang="en-US" altLang="ja-JP" dirty="0"/>
+              <a:t>(</a:t>
+            </a:r>
+            <a:r>
+              <a:rPr kumimoji="1" lang="ja-JP" altLang="en-US" dirty="0"/>
+              <a:t>その他</a:t>
+            </a:r>
+            <a:r>
+              <a:rPr kumimoji="1" lang="en-US" altLang="ja-JP" dirty="0"/>
+              <a:t>)</a:t>
+            </a:r>
+            <a:endParaRPr kumimoji="1" lang="ja-JP" altLang="en-US" dirty="0"/>
           </a:p>
         </p:txBody>
       </p:sp>
@@ -4285,7 +4308,7 @@
           <p:cNvPr id="3" name="コンテンツ プレースホルダー 2">
             <a:extLst>
               <a:ext uri="{FF2B5EF4-FFF2-40B4-BE49-F238E27FC236}">
-                <a16:creationId xmlns:a16="http://schemas.microsoft.com/office/drawing/2014/main" id="{23A99CB8-E454-4747-B1AA-A78E0DAA4953}"/>
+                <a16:creationId xmlns:a16="http://schemas.microsoft.com/office/drawing/2014/main" id="{9AC3E5D8-549F-435C-B98E-F9822333D074}"/>
               </a:ext>
             </a:extLst>
           </p:cNvPr>
@@ -4301,14 +4324,174 @@
           <a:bodyPr/>
           <a:lstStyle/>
           <a:p>
-            <a:endParaRPr kumimoji="1" lang="ja-JP" altLang="en-US"/>
+            <a:r>
+              <a:rPr lang="en-US" altLang="ja-JP" dirty="0"/>
+              <a:t>Google</a:t>
+            </a:r>
+            <a:r>
+              <a:rPr lang="ja-JP" altLang="en-US" dirty="0"/>
+              <a:t>：いわずもがな</a:t>
+            </a:r>
+            <a:r>
+              <a:rPr lang="en-US" altLang="ja-JP" dirty="0"/>
+              <a:t>.</a:t>
+            </a:r>
+          </a:p>
+          <a:p>
+            <a:r>
+              <a:rPr lang="en-US" altLang="ja-JP" dirty="0"/>
+              <a:t>Wikipedia</a:t>
+            </a:r>
+            <a:r>
+              <a:rPr lang="ja-JP" altLang="en-US" dirty="0"/>
+              <a:t>：いわずもがな</a:t>
+            </a:r>
+            <a:r>
+              <a:rPr lang="en-US" altLang="ja-JP" dirty="0"/>
+              <a:t>.</a:t>
+            </a:r>
+          </a:p>
+          <a:p>
+            <a:r>
+              <a:rPr lang="en-US" altLang="ja-JP" dirty="0"/>
+              <a:t>s</a:t>
+            </a:r>
+            <a:r>
+              <a:rPr kumimoji="1" lang="en-US" altLang="ja-JP" dirty="0"/>
+              <a:t>trings</a:t>
+            </a:r>
+            <a:r>
+              <a:rPr kumimoji="1" lang="ja-JP" altLang="en-US" dirty="0"/>
+              <a:t>：バイナリファイルの可視部分を表示</a:t>
+            </a:r>
+            <a:r>
+              <a:rPr kumimoji="1" lang="en-US" altLang="ja-JP" dirty="0"/>
+              <a:t>.</a:t>
+            </a:r>
+          </a:p>
+          <a:p>
+            <a:r>
+              <a:rPr lang="en-US" altLang="ja-JP" dirty="0"/>
+              <a:t>file</a:t>
+            </a:r>
+            <a:r>
+              <a:rPr lang="ja-JP" altLang="en-US" dirty="0"/>
+              <a:t>：ファイルのヘッダーからファイルタイプを調査</a:t>
+            </a:r>
+            <a:r>
+              <a:rPr lang="en-US" altLang="ja-JP" dirty="0"/>
+              <a:t>.</a:t>
+            </a:r>
+          </a:p>
+          <a:p>
+            <a:r>
+              <a:rPr kumimoji="1" lang="en-US" altLang="ja-JP" dirty="0"/>
+              <a:t>Cyber chef</a:t>
+            </a:r>
+            <a:r>
+              <a:rPr kumimoji="1" lang="ja-JP" altLang="en-US" dirty="0"/>
+              <a:t>：いろんなエンコード</a:t>
+            </a:r>
+            <a:r>
+              <a:rPr kumimoji="1" lang="en-US" altLang="ja-JP" dirty="0"/>
+              <a:t>/</a:t>
+            </a:r>
+            <a:r>
+              <a:rPr kumimoji="1" lang="ja-JP" altLang="en-US" dirty="0"/>
+              <a:t>デコード</a:t>
+            </a:r>
+            <a:r>
+              <a:rPr kumimoji="1" lang="en-US" altLang="ja-JP" dirty="0"/>
+              <a:t>.</a:t>
+            </a:r>
+            <a:endParaRPr kumimoji="1" lang="ja-JP" altLang="en-US" dirty="0"/>
           </a:p>
         </p:txBody>
       </p:sp>
     </p:spTree>
     <p:extLst>
       <p:ext uri="{BB962C8B-B14F-4D97-AF65-F5344CB8AC3E}">
-        <p14:creationId xmlns:p14="http://schemas.microsoft.com/office/powerpoint/2010/main" val="797813841"/>
+        <p14:creationId xmlns:p14="http://schemas.microsoft.com/office/powerpoint/2010/main" val="2125184413"/>
+      </p:ext>
+    </p:extLst>
+  </p:cSld>
+  <p:clrMapOvr>
+    <a:masterClrMapping/>
+  </p:clrMapOvr>
+</p:sld>
+</file>
+
+<file path=ppt/slides/slide14.xml><?xml version="1.0" encoding="utf-8"?>
+<p:sld xmlns:a="http://schemas.openxmlformats.org/drawingml/2006/main" xmlns:r="http://schemas.openxmlformats.org/officeDocument/2006/relationships" xmlns:p="http://schemas.openxmlformats.org/presentationml/2006/main">
+  <p:cSld>
+    <p:spTree>
+      <p:nvGrpSpPr>
+        <p:cNvPr id="1" name=""/>
+        <p:cNvGrpSpPr/>
+        <p:nvPr/>
+      </p:nvGrpSpPr>
+      <p:grpSpPr>
+        <a:xfrm>
+          <a:off x="0" y="0"/>
+          <a:ext cx="0" cy="0"/>
+          <a:chOff x="0" y="0"/>
+          <a:chExt cx="0" cy="0"/>
+        </a:xfrm>
+      </p:grpSpPr>
+      <p:sp>
+        <p:nvSpPr>
+          <p:cNvPr id="2" name="タイトル 1">
+            <a:extLst>
+              <a:ext uri="{FF2B5EF4-FFF2-40B4-BE49-F238E27FC236}">
+                <a16:creationId xmlns:a16="http://schemas.microsoft.com/office/drawing/2014/main" id="{986171E5-634E-4D14-B6C2-C9EBC416F8B2}"/>
+              </a:ext>
+            </a:extLst>
+          </p:cNvPr>
+          <p:cNvSpPr>
+            <a:spLocks noGrp="1"/>
+          </p:cNvSpPr>
+          <p:nvPr>
+            <p:ph type="title"/>
+          </p:nvPr>
+        </p:nvSpPr>
+        <p:spPr/>
+        <p:txBody>
+          <a:bodyPr/>
+          <a:lstStyle/>
+          <a:p>
+            <a:endParaRPr kumimoji="1" lang="ja-JP" altLang="en-US"/>
+          </a:p>
+        </p:txBody>
+      </p:sp>
+      <p:sp>
+        <p:nvSpPr>
+          <p:cNvPr id="3" name="コンテンツ プレースホルダー 2">
+            <a:extLst>
+              <a:ext uri="{FF2B5EF4-FFF2-40B4-BE49-F238E27FC236}">
+                <a16:creationId xmlns:a16="http://schemas.microsoft.com/office/drawing/2014/main" id="{23F6E26F-7722-494C-9371-0546CFB4B1E8}"/>
+              </a:ext>
+            </a:extLst>
+          </p:cNvPr>
+          <p:cNvSpPr>
+            <a:spLocks noGrp="1"/>
+          </p:cNvSpPr>
+          <p:nvPr>
+            <p:ph idx="1"/>
+          </p:nvPr>
+        </p:nvSpPr>
+        <p:spPr/>
+        <p:txBody>
+          <a:bodyPr/>
+          <a:lstStyle/>
+          <a:p>
+            <a:endParaRPr kumimoji="1" lang="ja-JP" altLang="en-US"/>
+          </a:p>
+        </p:txBody>
+      </p:sp>
+    </p:spTree>
+    <p:extLst>
+      <p:ext uri="{BB962C8B-B14F-4D97-AF65-F5344CB8AC3E}">
+        <p14:creationId xmlns:p14="http://schemas.microsoft.com/office/powerpoint/2010/main" val="3544091153"/>
       </p:ext>
     </p:extLst>
   </p:cSld>
@@ -6895,7 +7078,7 @@
           <p:cNvPr id="2" name="タイトル 1">
             <a:extLst>
               <a:ext uri="{FF2B5EF4-FFF2-40B4-BE49-F238E27FC236}">
-                <a16:creationId xmlns:a16="http://schemas.microsoft.com/office/drawing/2014/main" id="{B5396F69-D115-479F-A291-AF336382BFBD}"/>
+                <a16:creationId xmlns:a16="http://schemas.microsoft.com/office/drawing/2014/main" id="{8AAADDB3-5175-4596-81F1-1984DB92A35F}"/>
               </a:ext>
             </a:extLst>
           </p:cNvPr>
@@ -6913,266 +7096,103 @@
           <a:p>
             <a:r>
               <a:rPr kumimoji="1" lang="ja-JP" altLang="en-US" dirty="0"/>
-              <a:t>必要な知識</a:t>
-            </a:r>
-            <a:r>
-              <a:rPr kumimoji="1" lang="en-US" altLang="ja-JP" dirty="0"/>
-              <a:t>(</a:t>
-            </a:r>
-            <a:r>
-              <a:rPr kumimoji="1" lang="ja-JP" altLang="en-US" dirty="0"/>
-              <a:t>問題ジャンル</a:t>
-            </a:r>
-            <a:r>
-              <a:rPr kumimoji="1" lang="en-US" altLang="ja-JP" dirty="0"/>
-              <a:t>)</a:t>
-            </a:r>
-            <a:endParaRPr kumimoji="1" lang="ja-JP" altLang="en-US" dirty="0"/>
-          </a:p>
-        </p:txBody>
-      </p:sp>
-      <p:sp>
-        <p:nvSpPr>
-          <p:cNvPr id="3" name="コンテンツ プレースホルダー 2">
-            <a:extLst>
-              <a:ext uri="{FF2B5EF4-FFF2-40B4-BE49-F238E27FC236}">
-                <a16:creationId xmlns:a16="http://schemas.microsoft.com/office/drawing/2014/main" id="{2C4F41F6-A2B9-4B10-A016-E6E03DC78DA6}"/>
-              </a:ext>
-            </a:extLst>
-          </p:cNvPr>
-          <p:cNvSpPr>
-            <a:spLocks noGrp="1"/>
-          </p:cNvSpPr>
-          <p:nvPr>
-            <p:ph idx="1"/>
-          </p:nvPr>
-        </p:nvSpPr>
+              <a:t>オンラインコンテストはほぼ毎日開催</a:t>
+            </a:r>
+          </a:p>
+        </p:txBody>
+      </p:sp>
+      <p:pic>
+        <p:nvPicPr>
+          <p:cNvPr id="4" name="図 3">
+            <a:extLst>
+              <a:ext uri="{FF2B5EF4-FFF2-40B4-BE49-F238E27FC236}">
+                <a16:creationId xmlns:a16="http://schemas.microsoft.com/office/drawing/2014/main" id="{4E718649-682D-4ACE-8D0B-2F51924F1C14}"/>
+              </a:ext>
+            </a:extLst>
+          </p:cNvPr>
+          <p:cNvPicPr>
+            <a:picLocks noChangeAspect="1"/>
+          </p:cNvPicPr>
+          <p:nvPr/>
+        </p:nvPicPr>
+        <p:blipFill>
+          <a:blip r:embed="rId2"/>
+          <a:stretch>
+            <a:fillRect/>
+          </a:stretch>
+        </p:blipFill>
         <p:spPr>
           <a:xfrm>
-            <a:off x="838200" y="1659108"/>
-            <a:ext cx="10515600" cy="5127172"/>
+            <a:off x="919254" y="1461910"/>
+            <a:ext cx="8135969" cy="5169023"/>
           </a:xfrm>
+          <a:prstGeom prst="rect">
+            <a:avLst/>
+          </a:prstGeom>
         </p:spPr>
-        <p:txBody>
-          <a:bodyPr>
-            <a:normAutofit/>
+      </p:pic>
+      <p:sp>
+        <p:nvSpPr>
+          <p:cNvPr id="5" name="テキスト ボックス 4">
+            <a:extLst>
+              <a:ext uri="{FF2B5EF4-FFF2-40B4-BE49-F238E27FC236}">
+                <a16:creationId xmlns:a16="http://schemas.microsoft.com/office/drawing/2014/main" id="{6E2C121C-E4DF-4E43-BF1F-9F828D318D42}"/>
+              </a:ext>
+            </a:extLst>
+          </p:cNvPr>
+          <p:cNvSpPr txBox="1"/>
+          <p:nvPr/>
+        </p:nvSpPr>
+        <p:spPr>
+          <a:xfrm>
+            <a:off x="9136277" y="5984602"/>
+            <a:ext cx="2574524" cy="646331"/>
+          </a:xfrm>
+          <a:prstGeom prst="rect">
+            <a:avLst/>
+          </a:prstGeom>
+          <a:noFill/>
+        </p:spPr>
+        <p:txBody>
+          <a:bodyPr wrap="square" rtlCol="0">
+            <a:spAutoFit/>
           </a:bodyPr>
           <a:lstStyle/>
           <a:p>
             <a:r>
-              <a:rPr kumimoji="1" lang="en-US" altLang="ja-JP" dirty="0"/>
-              <a:t>Reversing  : </a:t>
-            </a:r>
-            <a:r>
-              <a:rPr kumimoji="1" lang="ja-JP" altLang="en-US" dirty="0"/>
-              <a:t>バイナリの解析</a:t>
-            </a:r>
-            <a:r>
-              <a:rPr kumimoji="1" lang="en-US" altLang="ja-JP" dirty="0"/>
-              <a:t>. </a:t>
-            </a:r>
-            <a:r>
-              <a:rPr kumimoji="1" lang="ja-JP" altLang="en-US" dirty="0"/>
-              <a:t>アセンブリを読むやつ</a:t>
-            </a:r>
-            <a:r>
-              <a:rPr kumimoji="1" lang="en-US" altLang="ja-JP" dirty="0"/>
-              <a:t>.</a:t>
-            </a:r>
-          </a:p>
-          <a:p>
-            <a:r>
               <a:rPr lang="en-US" altLang="ja-JP" dirty="0" err="1"/>
-              <a:t>Pwnable</a:t>
-            </a:r>
-            <a:r>
-              <a:rPr lang="en-US" altLang="ja-JP" dirty="0"/>
-              <a:t>    : </a:t>
-            </a:r>
-            <a:r>
-              <a:rPr lang="ja-JP" altLang="en-US" dirty="0"/>
-              <a:t>プログラムの脆弱性を突く</a:t>
-            </a:r>
-            <a:r>
-              <a:rPr lang="en-US" altLang="ja-JP" dirty="0"/>
-              <a:t>. Buffer overflow</a:t>
-            </a:r>
-            <a:r>
-              <a:rPr lang="ja-JP" altLang="en-US" dirty="0"/>
-              <a:t>とか</a:t>
-            </a:r>
-            <a:r>
-              <a:rPr lang="en-US" altLang="ja-JP" dirty="0"/>
-              <a:t>.</a:t>
-            </a:r>
-          </a:p>
-          <a:p>
-            <a:r>
-              <a:rPr lang="en-US" altLang="ja-JP" dirty="0"/>
-              <a:t>Crypto       : </a:t>
-            </a:r>
-            <a:r>
-              <a:rPr lang="ja-JP" altLang="en-US" dirty="0"/>
-              <a:t>暗号系の問題</a:t>
-            </a:r>
-            <a:r>
-              <a:rPr lang="en-US" altLang="ja-JP" dirty="0"/>
-              <a:t>. </a:t>
-            </a:r>
-            <a:r>
-              <a:rPr lang="ja-JP" altLang="en-US" dirty="0"/>
-              <a:t>シーザーとかヴィジュネルとか</a:t>
-            </a:r>
-            <a:r>
-              <a:rPr lang="en-US" altLang="ja-JP" dirty="0"/>
-              <a:t>.</a:t>
-            </a:r>
-          </a:p>
-          <a:p>
-            <a:r>
-              <a:rPr lang="en-US" altLang="ja-JP" dirty="0"/>
-              <a:t>Web          : SQL injection</a:t>
-            </a:r>
-            <a:r>
-              <a:rPr lang="ja-JP" altLang="en-US" dirty="0"/>
-              <a:t>とか</a:t>
-            </a:r>
-            <a:r>
-              <a:rPr lang="en-US" altLang="ja-JP" dirty="0"/>
-              <a:t>XSS</a:t>
-            </a:r>
-            <a:r>
-              <a:rPr lang="ja-JP" altLang="en-US" dirty="0"/>
-              <a:t>とか</a:t>
-            </a:r>
-            <a:r>
-              <a:rPr lang="en-US" altLang="ja-JP" dirty="0"/>
-              <a:t>.</a:t>
-            </a:r>
-          </a:p>
-          <a:p>
-            <a:r>
-              <a:rPr lang="en-US" altLang="ja-JP" dirty="0"/>
-              <a:t>Network    : </a:t>
-            </a:r>
-            <a:r>
-              <a:rPr lang="ja-JP" altLang="en-US" dirty="0"/>
-              <a:t>パケット解析。プロトコル周り</a:t>
-            </a:r>
-            <a:r>
-              <a:rPr lang="en-US" altLang="ja-JP" dirty="0"/>
-              <a:t>.</a:t>
-            </a:r>
-          </a:p>
-          <a:p>
-            <a:r>
-              <a:rPr lang="en-US" altLang="ja-JP" dirty="0"/>
-              <a:t>Forensic    : </a:t>
-            </a:r>
-            <a:r>
-              <a:rPr lang="ja-JP" altLang="en-US" dirty="0"/>
-              <a:t>ディスクイメージなどから情報を集める</a:t>
-            </a:r>
-            <a:r>
-              <a:rPr lang="en-US" altLang="ja-JP" dirty="0"/>
-              <a:t>.</a:t>
-            </a:r>
-          </a:p>
-          <a:p>
-            <a:r>
-              <a:rPr lang="en-US" altLang="ja-JP" dirty="0"/>
-              <a:t>Steganography:</a:t>
-            </a:r>
-            <a:r>
-              <a:rPr lang="ja-JP" altLang="en-US" dirty="0"/>
-              <a:t>音声や動画ファイルを解析する</a:t>
-            </a:r>
-            <a:r>
-              <a:rPr lang="en-US" altLang="ja-JP" dirty="0"/>
-              <a:t>.</a:t>
-            </a:r>
-          </a:p>
-          <a:p>
-            <a:r>
-              <a:rPr lang="en-US" altLang="ja-JP" dirty="0"/>
-              <a:t>Recon	</a:t>
-            </a:r>
-            <a:r>
-              <a:rPr lang="ja-JP" altLang="en-US" dirty="0"/>
-              <a:t>：</a:t>
-            </a:r>
-            <a:r>
-              <a:rPr lang="en-US" altLang="ja-JP" dirty="0"/>
-              <a:t>OSINT</a:t>
-            </a:r>
-            <a:r>
-              <a:rPr lang="ja-JP" altLang="en-US" dirty="0"/>
-              <a:t>みたいなやつ</a:t>
-            </a:r>
-            <a:r>
-              <a:rPr lang="en-US" altLang="ja-JP" dirty="0"/>
-              <a:t>. </a:t>
-            </a:r>
-            <a:r>
-              <a:rPr lang="ja-JP" altLang="en-US" dirty="0"/>
-              <a:t>対象調査</a:t>
-            </a:r>
-            <a:r>
-              <a:rPr lang="en-US" altLang="ja-JP" dirty="0"/>
-              <a:t>.</a:t>
-            </a:r>
-          </a:p>
-          <a:p>
-            <a:r>
-              <a:rPr kumimoji="1" lang="en-US" altLang="ja-JP" dirty="0" err="1"/>
-              <a:t>Mi</a:t>
-            </a:r>
-            <a:r>
-              <a:rPr lang="en-US" altLang="ja-JP" dirty="0" err="1"/>
-              <a:t>sc</a:t>
-            </a:r>
-            <a:r>
-              <a:rPr lang="en-US" altLang="ja-JP" dirty="0"/>
-              <a:t>(Miscellaneous):</a:t>
-            </a:r>
-            <a:r>
-              <a:rPr lang="ja-JP" altLang="en-US" dirty="0"/>
-              <a:t>その他の問題</a:t>
+              <a:t>CTFtime</a:t>
+            </a:r>
+            <a:r>
+              <a:rPr lang="ja-JP" altLang="en-US" dirty="0"/>
+              <a:t>より</a:t>
             </a:r>
             <a:endParaRPr lang="en-US" altLang="ja-JP" dirty="0"/>
           </a:p>
           <a:p>
-            <a:pPr marL="0" indent="0">
-              <a:buNone/>
-            </a:pPr>
-            <a:r>
-              <a:rPr kumimoji="1" lang="en-US" altLang="ja-JP" dirty="0"/>
-              <a:t>					</a:t>
-            </a:r>
-            <a:r>
-              <a:rPr kumimoji="1" lang="ja-JP" altLang="en-US" dirty="0"/>
-              <a:t>などなど</a:t>
-            </a:r>
-            <a:r>
-              <a:rPr kumimoji="1" lang="en-US" altLang="ja-JP" dirty="0"/>
-              <a:t>(</a:t>
-            </a:r>
-            <a:r>
-              <a:rPr lang="ja-JP" altLang="en-US" dirty="0"/>
-              <a:t>ジャンル複合問題もある</a:t>
-            </a:r>
-            <a:r>
-              <a:rPr lang="en-US" altLang="ja-JP" dirty="0"/>
-              <a:t>)</a:t>
-            </a:r>
-            <a:endParaRPr kumimoji="1" lang="ja-JP" altLang="en-US" dirty="0"/>
+            <a:r>
+              <a:rPr lang="en-US" altLang="ja-JP" dirty="0"/>
+              <a:t>2019</a:t>
+            </a:r>
+            <a:r>
+              <a:rPr lang="ja-JP" altLang="en-US" dirty="0"/>
+              <a:t>年</a:t>
+            </a:r>
+            <a:r>
+              <a:rPr lang="en-US" altLang="ja-JP" dirty="0"/>
+              <a:t>4</a:t>
+            </a:r>
+            <a:r>
+              <a:rPr lang="ja-JP" altLang="en-US" dirty="0"/>
+              <a:t>月の予定</a:t>
+            </a:r>
           </a:p>
         </p:txBody>
       </p:sp>
     </p:spTree>
     <p:extLst>
       <p:ext uri="{BB962C8B-B14F-4D97-AF65-F5344CB8AC3E}">
-        <p14:creationId xmlns:p14="http://schemas.microsoft.com/office/powerpoint/2010/main" val="1097527138"/>
+        <p14:creationId xmlns:p14="http://schemas.microsoft.com/office/powerpoint/2010/main" val="797813841"/>
       </p:ext>
     </p:extLst>
   </p:cSld>
@@ -7204,7 +7224,7 @@
           <p:cNvPr id="2" name="タイトル 1">
             <a:extLst>
               <a:ext uri="{FF2B5EF4-FFF2-40B4-BE49-F238E27FC236}">
-                <a16:creationId xmlns:a16="http://schemas.microsoft.com/office/drawing/2014/main" id="{BB4941E4-EEC1-4987-A0BC-DEFB2C2398D2}"/>
+                <a16:creationId xmlns:a16="http://schemas.microsoft.com/office/drawing/2014/main" id="{B5396F69-D115-479F-A291-AF336382BFBD}"/>
               </a:ext>
             </a:extLst>
           </p:cNvPr>
@@ -7222,11 +7242,19 @@
           <a:p>
             <a:r>
               <a:rPr kumimoji="1" lang="ja-JP" altLang="en-US" dirty="0"/>
-              <a:t>ツールの紹介</a:t>
+              <a:t>必要な知識</a:t>
             </a:r>
             <a:r>
               <a:rPr kumimoji="1" lang="en-US" altLang="ja-JP" dirty="0"/>
-              <a:t>(Reversing)</a:t>
+              <a:t>(</a:t>
+            </a:r>
+            <a:r>
+              <a:rPr kumimoji="1" lang="ja-JP" altLang="en-US" dirty="0"/>
+              <a:t>問題ジャンル</a:t>
+            </a:r>
+            <a:r>
+              <a:rPr kumimoji="1" lang="en-US" altLang="ja-JP" dirty="0"/>
+              <a:t>)</a:t>
             </a:r>
             <a:endParaRPr kumimoji="1" lang="ja-JP" altLang="en-US" dirty="0"/>
           </a:p>
@@ -7237,7 +7265,7 @@
           <p:cNvPr id="3" name="コンテンツ プレースホルダー 2">
             <a:extLst>
               <a:ext uri="{FF2B5EF4-FFF2-40B4-BE49-F238E27FC236}">
-                <a16:creationId xmlns:a16="http://schemas.microsoft.com/office/drawing/2014/main" id="{0C062C75-0F4C-413E-BCF1-362A6C94A8BE}"/>
+                <a16:creationId xmlns:a16="http://schemas.microsoft.com/office/drawing/2014/main" id="{2C4F41F6-A2B9-4B10-A016-E6E03DC78DA6}"/>
               </a:ext>
             </a:extLst>
           </p:cNvPr>
@@ -7250,209 +7278,230 @@
         </p:nvSpPr>
         <p:spPr>
           <a:xfrm>
-            <a:off x="838200" y="1825625"/>
-            <a:ext cx="11057878" cy="4351338"/>
+            <a:off x="838200" y="1659108"/>
+            <a:ext cx="10515600" cy="5127172"/>
           </a:xfrm>
         </p:spPr>
         <p:txBody>
-          <a:bodyPr/>
-          <a:lstStyle/>
+          <a:bodyPr>
+            <a:normAutofit/>
+          </a:bodyPr>
+          <a:lstStyle/>
+          <a:p>
+            <a:r>
+              <a:rPr kumimoji="1" lang="en-US" altLang="ja-JP" dirty="0"/>
+              <a:t>Reversing  : </a:t>
+            </a:r>
+            <a:r>
+              <a:rPr kumimoji="1" lang="ja-JP" altLang="en-US" dirty="0"/>
+              <a:t>バイナリの解析</a:t>
+            </a:r>
+            <a:r>
+              <a:rPr kumimoji="1" lang="en-US" altLang="ja-JP" dirty="0"/>
+              <a:t>. </a:t>
+            </a:r>
+            <a:r>
+              <a:rPr kumimoji="1" lang="ja-JP" altLang="en-US" dirty="0"/>
+              <a:t>アセンブリを読むやつ</a:t>
+            </a:r>
+            <a:r>
+              <a:rPr kumimoji="1" lang="en-US" altLang="ja-JP" dirty="0"/>
+              <a:t>.</a:t>
+            </a:r>
+          </a:p>
+          <a:p>
+            <a:r>
+              <a:rPr lang="en-US" altLang="ja-JP" dirty="0" err="1"/>
+              <a:t>Pwnable</a:t>
+            </a:r>
+            <a:r>
+              <a:rPr lang="en-US" altLang="ja-JP" dirty="0"/>
+              <a:t>    : </a:t>
+            </a:r>
+            <a:r>
+              <a:rPr lang="ja-JP" altLang="en-US" dirty="0"/>
+              <a:t>プログラムの脆弱性を突く</a:t>
+            </a:r>
+            <a:r>
+              <a:rPr lang="en-US" altLang="ja-JP" dirty="0"/>
+              <a:t>. Buffer overflow</a:t>
+            </a:r>
+            <a:r>
+              <a:rPr lang="ja-JP" altLang="en-US" dirty="0"/>
+              <a:t>とか</a:t>
+            </a:r>
+            <a:r>
+              <a:rPr lang="en-US" altLang="ja-JP" dirty="0"/>
+              <a:t>.</a:t>
+            </a:r>
+          </a:p>
+          <a:p>
+            <a:r>
+              <a:rPr lang="en-US" altLang="ja-JP" dirty="0"/>
+              <a:t>Crypto       : </a:t>
+            </a:r>
+            <a:r>
+              <a:rPr lang="ja-JP" altLang="en-US" dirty="0"/>
+              <a:t>暗号系の問題</a:t>
+            </a:r>
+            <a:r>
+              <a:rPr lang="en-US" altLang="ja-JP" dirty="0"/>
+              <a:t>. </a:t>
+            </a:r>
+            <a:r>
+              <a:rPr lang="ja-JP" altLang="en-US" dirty="0"/>
+              <a:t>シーザーとかヴィジュネルとか</a:t>
+            </a:r>
+            <a:r>
+              <a:rPr lang="en-US" altLang="ja-JP" dirty="0"/>
+              <a:t>.</a:t>
+            </a:r>
+          </a:p>
+          <a:p>
+            <a:r>
+              <a:rPr lang="en-US" altLang="ja-JP" dirty="0"/>
+              <a:t>Web          : SQL injection</a:t>
+            </a:r>
+            <a:r>
+              <a:rPr lang="ja-JP" altLang="en-US" dirty="0"/>
+              <a:t>とか</a:t>
+            </a:r>
+            <a:r>
+              <a:rPr lang="en-US" altLang="ja-JP" dirty="0"/>
+              <a:t>XSS</a:t>
+            </a:r>
+            <a:r>
+              <a:rPr lang="ja-JP" altLang="en-US" dirty="0"/>
+              <a:t>とか</a:t>
+            </a:r>
+            <a:r>
+              <a:rPr lang="en-US" altLang="ja-JP" dirty="0"/>
+              <a:t>.</a:t>
+            </a:r>
+          </a:p>
+          <a:p>
+            <a:r>
+              <a:rPr lang="en-US" altLang="ja-JP" dirty="0"/>
+              <a:t>Network    : </a:t>
+            </a:r>
+            <a:r>
+              <a:rPr lang="ja-JP" altLang="en-US" dirty="0"/>
+              <a:t>パケット解析。プロトコル周り</a:t>
+            </a:r>
+            <a:r>
+              <a:rPr lang="en-US" altLang="ja-JP" dirty="0"/>
+              <a:t>.</a:t>
+            </a:r>
+          </a:p>
+          <a:p>
+            <a:r>
+              <a:rPr lang="en-US" altLang="ja-JP" dirty="0"/>
+              <a:t>Forensic    : </a:t>
+            </a:r>
+            <a:r>
+              <a:rPr lang="ja-JP" altLang="en-US" dirty="0"/>
+              <a:t>ディスクイメージなどから情報を集める</a:t>
+            </a:r>
+            <a:r>
+              <a:rPr lang="en-US" altLang="ja-JP" dirty="0"/>
+              <a:t>.</a:t>
+            </a:r>
+          </a:p>
+          <a:p>
+            <a:r>
+              <a:rPr lang="en-US" altLang="ja-JP" dirty="0"/>
+              <a:t>Steganography:</a:t>
+            </a:r>
+            <a:r>
+              <a:rPr lang="ja-JP" altLang="en-US" dirty="0"/>
+              <a:t>音声や動画ファイルを解析する</a:t>
+            </a:r>
+            <a:r>
+              <a:rPr lang="en-US" altLang="ja-JP" dirty="0"/>
+              <a:t>.</a:t>
+            </a:r>
+          </a:p>
+          <a:p>
+            <a:r>
+              <a:rPr lang="en-US" altLang="ja-JP" dirty="0"/>
+              <a:t>Recon	</a:t>
+            </a:r>
+            <a:r>
+              <a:rPr lang="ja-JP" altLang="en-US" dirty="0"/>
+              <a:t>：</a:t>
+            </a:r>
+            <a:r>
+              <a:rPr lang="en-US" altLang="ja-JP" dirty="0"/>
+              <a:t>OSINT</a:t>
+            </a:r>
+            <a:r>
+              <a:rPr lang="ja-JP" altLang="en-US" dirty="0"/>
+              <a:t>みたいなやつ</a:t>
+            </a:r>
+            <a:r>
+              <a:rPr lang="en-US" altLang="ja-JP" dirty="0"/>
+              <a:t>. </a:t>
+            </a:r>
+            <a:r>
+              <a:rPr lang="ja-JP" altLang="en-US" dirty="0"/>
+              <a:t>対象調査</a:t>
+            </a:r>
+            <a:r>
+              <a:rPr lang="en-US" altLang="ja-JP" dirty="0"/>
+              <a:t>.</a:t>
+            </a:r>
+          </a:p>
+          <a:p>
+            <a:r>
+              <a:rPr kumimoji="1" lang="en-US" altLang="ja-JP" dirty="0" err="1"/>
+              <a:t>Mi</a:t>
+            </a:r>
+            <a:r>
+              <a:rPr lang="en-US" altLang="ja-JP" dirty="0" err="1"/>
+              <a:t>sc</a:t>
+            </a:r>
+            <a:r>
+              <a:rPr lang="en-US" altLang="ja-JP" dirty="0"/>
+              <a:t>(Miscellaneous):</a:t>
+            </a:r>
+            <a:r>
+              <a:rPr lang="ja-JP" altLang="en-US" dirty="0"/>
+              <a:t>その他の問題</a:t>
+            </a:r>
+            <a:endParaRPr lang="en-US" altLang="ja-JP" dirty="0"/>
+          </a:p>
           <a:p>
             <a:pPr marL="0" indent="0">
               <a:buNone/>
             </a:pPr>
             <a:r>
-              <a:rPr lang="ja-JP" altLang="en-US" dirty="0"/>
-              <a:t>・</a:t>
-            </a:r>
-            <a:r>
-              <a:rPr lang="en-US" altLang="ja-JP" dirty="0"/>
-              <a:t>IDA</a:t>
-            </a:r>
-            <a:r>
-              <a:rPr lang="ja-JP" altLang="en-US" dirty="0"/>
-              <a:t>：リバースエンジニアリングツール</a:t>
-            </a:r>
-            <a:r>
-              <a:rPr lang="en-US" altLang="ja-JP" dirty="0"/>
-              <a:t>. </a:t>
-            </a:r>
-            <a:r>
-              <a:rPr lang="ja-JP" altLang="en-US" dirty="0"/>
-              <a:t>デバッガが使える</a:t>
-            </a:r>
-            <a:r>
-              <a:rPr lang="en-US" altLang="ja-JP" dirty="0"/>
-              <a:t>.</a:t>
-            </a:r>
-          </a:p>
-          <a:p>
-            <a:pPr marL="0" indent="0">
-              <a:buNone/>
-            </a:pPr>
-            <a:r>
-              <a:rPr lang="ja-JP" altLang="en-US" dirty="0"/>
-              <a:t>・</a:t>
-            </a:r>
-            <a:r>
-              <a:rPr lang="en-US" altLang="ja-JP" dirty="0" err="1"/>
-              <a:t>Ghidra</a:t>
-            </a:r>
-            <a:r>
-              <a:rPr lang="ja-JP" altLang="en-US" dirty="0"/>
-              <a:t>：リバースエンジニアリングツール</a:t>
-            </a:r>
-            <a:r>
-              <a:rPr lang="en-US" altLang="ja-JP" dirty="0"/>
-              <a:t>. </a:t>
-            </a:r>
-            <a:r>
-              <a:rPr lang="ja-JP" altLang="en-US" dirty="0"/>
-              <a:t>デバッガなし</a:t>
-            </a:r>
-            <a:r>
-              <a:rPr lang="en-US" altLang="ja-JP" dirty="0"/>
-              <a:t>.			 Python</a:t>
-            </a:r>
-            <a:r>
-              <a:rPr lang="ja-JP" altLang="en-US" dirty="0"/>
-              <a:t>のスクリプトが使える</a:t>
-            </a:r>
-            <a:r>
-              <a:rPr lang="en-US" altLang="ja-JP" dirty="0"/>
-              <a:t>.</a:t>
-            </a:r>
-          </a:p>
-          <a:p>
-            <a:pPr marL="0" indent="0">
-              <a:buNone/>
-            </a:pPr>
-            <a:r>
-              <a:rPr lang="ja-JP" altLang="en-US" dirty="0"/>
-              <a:t>・</a:t>
-            </a:r>
-            <a:r>
-              <a:rPr lang="en-US" altLang="ja-JP" dirty="0"/>
-              <a:t>radare2</a:t>
-            </a:r>
-            <a:r>
-              <a:rPr lang="ja-JP" altLang="en-US" dirty="0"/>
-              <a:t>：</a:t>
-            </a:r>
-            <a:r>
-              <a:rPr lang="en-US" altLang="ja-JP" dirty="0"/>
-              <a:t>CUI</a:t>
-            </a:r>
-            <a:r>
-              <a:rPr lang="ja-JP" altLang="en-US" dirty="0"/>
-              <a:t>版の</a:t>
-            </a:r>
-            <a:r>
-              <a:rPr lang="en-US" altLang="ja-JP" dirty="0"/>
-              <a:t>IDA</a:t>
-            </a:r>
-            <a:r>
-              <a:rPr lang="ja-JP" altLang="en-US" dirty="0"/>
-              <a:t>みたいな使用感</a:t>
-            </a:r>
-            <a:r>
-              <a:rPr lang="en-US" altLang="ja-JP" dirty="0"/>
-              <a:t>.</a:t>
-            </a:r>
-          </a:p>
-          <a:p>
-            <a:pPr marL="0" indent="0">
-              <a:buNone/>
-            </a:pPr>
-            <a:r>
-              <a:rPr lang="ja-JP" altLang="en-US" dirty="0"/>
-              <a:t>・</a:t>
-            </a:r>
-            <a:r>
-              <a:rPr lang="en-US" altLang="ja-JP" dirty="0"/>
-              <a:t>Binary Ninja</a:t>
-            </a:r>
-            <a:r>
-              <a:rPr lang="ja-JP" altLang="en-US" dirty="0"/>
-              <a:t>：逆アセンブルと</a:t>
-            </a:r>
-            <a:r>
-              <a:rPr lang="en-US" altLang="ja-JP" dirty="0"/>
-              <a:t>Bin</a:t>
-            </a:r>
-            <a:r>
-              <a:rPr lang="ja-JP" altLang="en-US" dirty="0"/>
-              <a:t>エディタ</a:t>
-            </a:r>
-            <a:r>
-              <a:rPr lang="en-US" altLang="ja-JP" dirty="0"/>
-              <a:t>.</a:t>
-            </a:r>
-          </a:p>
-          <a:p>
-            <a:pPr marL="0" indent="0">
-              <a:buNone/>
-            </a:pPr>
-            <a:r>
-              <a:rPr lang="ja-JP" altLang="en-US" dirty="0"/>
-              <a:t>・</a:t>
-            </a:r>
-            <a:r>
-              <a:rPr lang="en-US" altLang="ja-JP" dirty="0"/>
-              <a:t>disassembler.io</a:t>
-            </a:r>
-            <a:r>
-              <a:rPr lang="ja-JP" altLang="en-US" dirty="0"/>
-              <a:t>：</a:t>
-            </a:r>
-            <a:r>
-              <a:rPr lang="en-US" altLang="ja-JP" dirty="0"/>
-              <a:t>web</a:t>
-            </a:r>
-            <a:r>
-              <a:rPr lang="ja-JP" altLang="en-US" dirty="0"/>
-              <a:t>上で逆アセンブル</a:t>
-            </a:r>
-            <a:r>
-              <a:rPr lang="en-US" altLang="ja-JP" dirty="0"/>
-              <a:t>.</a:t>
-            </a:r>
-          </a:p>
-          <a:p>
-            <a:pPr marL="0" indent="0">
-              <a:buNone/>
-            </a:pPr>
-            <a:r>
-              <a:rPr lang="ja-JP" altLang="en-US" dirty="0"/>
-              <a:t>・</a:t>
-            </a:r>
-            <a:r>
-              <a:rPr lang="en-US" altLang="ja-JP" dirty="0" err="1"/>
-              <a:t>Ollydbg</a:t>
-            </a:r>
-            <a:r>
-              <a:rPr lang="ja-JP" altLang="en-US" dirty="0"/>
-              <a:t>：</a:t>
-            </a:r>
-            <a:r>
-              <a:rPr lang="en-US" altLang="ja-JP" dirty="0"/>
-              <a:t>x64/x32 windows</a:t>
-            </a:r>
-            <a:r>
-              <a:rPr lang="ja-JP" altLang="en-US" dirty="0"/>
-              <a:t>デバッガ</a:t>
-            </a:r>
-            <a:r>
-              <a:rPr lang="en-US" altLang="ja-JP" dirty="0"/>
-              <a:t>.</a:t>
-            </a:r>
+              <a:rPr kumimoji="1" lang="en-US" altLang="ja-JP" dirty="0"/>
+              <a:t>					</a:t>
+            </a:r>
+            <a:r>
+              <a:rPr kumimoji="1" lang="ja-JP" altLang="en-US" dirty="0"/>
+              <a:t>などなど</a:t>
+            </a:r>
+            <a:r>
+              <a:rPr kumimoji="1" lang="en-US" altLang="ja-JP" dirty="0"/>
+              <a:t>(</a:t>
+            </a:r>
+            <a:r>
+              <a:rPr lang="ja-JP" altLang="en-US" dirty="0"/>
+              <a:t>ジャンル複合問題もある</a:t>
+            </a:r>
+            <a:r>
+              <a:rPr lang="en-US" altLang="ja-JP" dirty="0"/>
+              <a:t>)</a:t>
+            </a:r>
+            <a:endParaRPr kumimoji="1" lang="ja-JP" altLang="en-US" dirty="0"/>
           </a:p>
         </p:txBody>
       </p:sp>
     </p:spTree>
     <p:extLst>
       <p:ext uri="{BB962C8B-B14F-4D97-AF65-F5344CB8AC3E}">
-        <p14:creationId xmlns:p14="http://schemas.microsoft.com/office/powerpoint/2010/main" val="377969046"/>
+        <p14:creationId xmlns:p14="http://schemas.microsoft.com/office/powerpoint/2010/main" val="1097527138"/>
       </p:ext>
     </p:extLst>
   </p:cSld>
@@ -7484,7 +7533,7 @@
           <p:cNvPr id="2" name="タイトル 1">
             <a:extLst>
               <a:ext uri="{FF2B5EF4-FFF2-40B4-BE49-F238E27FC236}">
-                <a16:creationId xmlns:a16="http://schemas.microsoft.com/office/drawing/2014/main" id="{35EB21FE-DBE7-46B9-9FE5-A07C056FD636}"/>
+                <a16:creationId xmlns:a16="http://schemas.microsoft.com/office/drawing/2014/main" id="{BB4941E4-EEC1-4987-A0BC-DEFB2C2398D2}"/>
               </a:ext>
             </a:extLst>
           </p:cNvPr>
@@ -7501,20 +7550,12 @@
           <a:lstStyle/>
           <a:p>
             <a:r>
-              <a:rPr lang="ja-JP" altLang="en-US" dirty="0"/>
+              <a:rPr kumimoji="1" lang="ja-JP" altLang="en-US" dirty="0"/>
               <a:t>ツールの紹介</a:t>
             </a:r>
             <a:r>
-              <a:rPr lang="en-US" altLang="ja-JP" dirty="0"/>
-              <a:t>(</a:t>
-            </a:r>
-            <a:r>
-              <a:rPr lang="en-US" altLang="ja-JP" dirty="0" err="1"/>
-              <a:t>Pwnable</a:t>
-            </a:r>
-            <a:r>
-              <a:rPr lang="en-US" altLang="ja-JP" dirty="0"/>
-              <a:t>)</a:t>
+              <a:rPr kumimoji="1" lang="en-US" altLang="ja-JP" dirty="0"/>
+              <a:t>(Reversing)</a:t>
             </a:r>
             <a:endParaRPr kumimoji="1" lang="ja-JP" altLang="en-US" dirty="0"/>
           </a:p>
@@ -7525,7 +7566,7 @@
           <p:cNvPr id="3" name="コンテンツ プレースホルダー 2">
             <a:extLst>
               <a:ext uri="{FF2B5EF4-FFF2-40B4-BE49-F238E27FC236}">
-                <a16:creationId xmlns:a16="http://schemas.microsoft.com/office/drawing/2014/main" id="{187CE8A0-473B-4EB3-AE6E-6473751C493F}"/>
+                <a16:creationId xmlns:a16="http://schemas.microsoft.com/office/drawing/2014/main" id="{0C062C75-0F4C-413E-BCF1-362A6C94A8BE}"/>
               </a:ext>
             </a:extLst>
           </p:cNvPr>
@@ -7536,127 +7577,211 @@
             <p:ph idx="1"/>
           </p:nvPr>
         </p:nvSpPr>
-        <p:spPr/>
+        <p:spPr>
+          <a:xfrm>
+            <a:off x="838200" y="1825625"/>
+            <a:ext cx="11057878" cy="4351338"/>
+          </a:xfrm>
+        </p:spPr>
         <p:txBody>
           <a:bodyPr/>
           <a:lstStyle/>
-          <a:p>
-            <a:r>
-              <a:rPr kumimoji="1" lang="en-US" altLang="ja-JP" dirty="0" err="1"/>
-              <a:t>gdb</a:t>
-            </a:r>
-            <a:r>
-              <a:rPr kumimoji="1" lang="en-US" altLang="ja-JP" dirty="0"/>
-              <a:t> </a:t>
-            </a:r>
-            <a:r>
-              <a:rPr lang="ja-JP" altLang="en-US" dirty="0"/>
-              <a:t>：</a:t>
-            </a:r>
-            <a:r>
-              <a:rPr kumimoji="1" lang="ja-JP" altLang="en-US" dirty="0"/>
-              <a:t>デバッガ</a:t>
-            </a:r>
-            <a:endParaRPr lang="en-US" altLang="ja-JP" dirty="0"/>
-          </a:p>
-          <a:p>
-            <a:r>
-              <a:rPr lang="en-US" altLang="ja-JP" dirty="0" err="1"/>
-              <a:t>gdb-peda</a:t>
-            </a:r>
-            <a:r>
-              <a:rPr lang="ja-JP" altLang="en-US" dirty="0"/>
-              <a:t>：</a:t>
-            </a:r>
-            <a:r>
-              <a:rPr lang="en-US" altLang="ja-JP" dirty="0" err="1"/>
-              <a:t>gdb</a:t>
-            </a:r>
-            <a:r>
-              <a:rPr lang="ja-JP" altLang="en-US" dirty="0"/>
-              <a:t>改</a:t>
-            </a:r>
-            <a:endParaRPr lang="en-US" altLang="ja-JP" dirty="0"/>
-          </a:p>
-          <a:p>
-            <a:r>
-              <a:rPr lang="en-US" altLang="ja-JP" dirty="0" err="1"/>
-              <a:t>ltrace</a:t>
-            </a:r>
-            <a:r>
-              <a:rPr lang="ja-JP" altLang="en-US" dirty="0"/>
-              <a:t>：コマンド</a:t>
-            </a:r>
-            <a:r>
-              <a:rPr lang="en-US" altLang="ja-JP" dirty="0"/>
-              <a:t>. library calls</a:t>
-            </a:r>
-            <a:r>
-              <a:rPr lang="ja-JP" altLang="en-US" dirty="0"/>
-              <a:t>を</a:t>
-            </a:r>
-            <a:r>
-              <a:rPr lang="en-US" altLang="ja-JP" dirty="0"/>
-              <a:t>trace.</a:t>
-            </a:r>
-          </a:p>
-          <a:p>
-            <a:r>
-              <a:rPr lang="en-US" altLang="ja-JP" dirty="0" err="1"/>
-              <a:t>strace</a:t>
-            </a:r>
-            <a:r>
-              <a:rPr lang="ja-JP" altLang="en-US" dirty="0"/>
-              <a:t>：コマンド</a:t>
-            </a:r>
-            <a:r>
-              <a:rPr lang="en-US" altLang="ja-JP" dirty="0"/>
-              <a:t>. </a:t>
-            </a:r>
-            <a:r>
-              <a:rPr lang="en-US" altLang="ja-JP" dirty="0" err="1"/>
-              <a:t>syscalls</a:t>
-            </a:r>
-            <a:r>
-              <a:rPr lang="ja-JP" altLang="en-US" dirty="0"/>
-              <a:t>を</a:t>
-            </a:r>
-            <a:r>
-              <a:rPr lang="en-US" altLang="ja-JP" dirty="0"/>
-              <a:t>trace.</a:t>
-            </a:r>
-          </a:p>
-          <a:p>
-            <a:r>
-              <a:rPr kumimoji="1" lang="en-US" altLang="ja-JP" dirty="0" err="1"/>
-              <a:t>Pwntools</a:t>
-            </a:r>
-            <a:r>
-              <a:rPr lang="ja-JP" altLang="en-US" dirty="0"/>
-              <a:t>：</a:t>
-            </a:r>
-            <a:r>
-              <a:rPr kumimoji="1" lang="en-US" altLang="ja-JP" dirty="0"/>
-              <a:t>Python</a:t>
-            </a:r>
-            <a:r>
-              <a:rPr lang="ja-JP" altLang="en-US" dirty="0"/>
-              <a:t>のライブラリ</a:t>
-            </a:r>
-            <a:endParaRPr lang="en-US" altLang="ja-JP" dirty="0"/>
-          </a:p>
           <a:p>
             <a:pPr marL="0" indent="0">
               <a:buNone/>
             </a:pPr>
-            <a:endParaRPr kumimoji="1" lang="en-US" altLang="ja-JP" dirty="0"/>
+            <a:r>
+              <a:rPr lang="ja-JP" altLang="en-US" dirty="0"/>
+              <a:t>・</a:t>
+            </a:r>
+            <a:r>
+              <a:rPr lang="en-US" altLang="ja-JP" dirty="0"/>
+              <a:t>IDA</a:t>
+            </a:r>
+            <a:r>
+              <a:rPr lang="ja-JP" altLang="en-US" dirty="0"/>
+              <a:t>：リバースエンジニアリングツール</a:t>
+            </a:r>
+            <a:r>
+              <a:rPr lang="en-US" altLang="ja-JP" dirty="0"/>
+              <a:t>. </a:t>
+            </a:r>
+            <a:r>
+              <a:rPr lang="ja-JP" altLang="en-US" dirty="0"/>
+              <a:t>デバッガが使える</a:t>
+            </a:r>
+            <a:r>
+              <a:rPr lang="en-US" altLang="ja-JP" dirty="0"/>
+              <a:t>.</a:t>
+            </a:r>
+          </a:p>
+          <a:p>
+            <a:pPr marL="0" indent="0">
+              <a:buNone/>
+            </a:pPr>
+            <a:r>
+              <a:rPr lang="ja-JP" altLang="en-US" dirty="0"/>
+              <a:t>・</a:t>
+            </a:r>
+            <a:r>
+              <a:rPr lang="en-US" altLang="ja-JP" dirty="0" err="1"/>
+              <a:t>Ghidra</a:t>
+            </a:r>
+            <a:r>
+              <a:rPr lang="ja-JP" altLang="en-US" dirty="0"/>
+              <a:t>：リバースエンジニアリングツール</a:t>
+            </a:r>
+            <a:r>
+              <a:rPr lang="en-US" altLang="ja-JP" dirty="0"/>
+              <a:t>. </a:t>
+            </a:r>
+            <a:r>
+              <a:rPr lang="ja-JP" altLang="en-US" dirty="0"/>
+              <a:t>デバッガなし</a:t>
+            </a:r>
+            <a:r>
+              <a:rPr lang="en-US" altLang="ja-JP" dirty="0"/>
+              <a:t>.			 Python</a:t>
+            </a:r>
+            <a:r>
+              <a:rPr lang="ja-JP" altLang="en-US" dirty="0"/>
+              <a:t>のスクリプトが使える</a:t>
+            </a:r>
+            <a:r>
+              <a:rPr lang="en-US" altLang="ja-JP" dirty="0"/>
+              <a:t>.</a:t>
+            </a:r>
+          </a:p>
+          <a:p>
+            <a:pPr marL="0" indent="0">
+              <a:buNone/>
+            </a:pPr>
+            <a:r>
+              <a:rPr lang="ja-JP" altLang="en-US" dirty="0"/>
+              <a:t>・</a:t>
+            </a:r>
+            <a:r>
+              <a:rPr lang="en-US" altLang="ja-JP" dirty="0"/>
+              <a:t>radare2</a:t>
+            </a:r>
+            <a:r>
+              <a:rPr lang="ja-JP" altLang="en-US" dirty="0"/>
+              <a:t>：</a:t>
+            </a:r>
+            <a:r>
+              <a:rPr lang="en-US" altLang="ja-JP" dirty="0"/>
+              <a:t>CUI</a:t>
+            </a:r>
+            <a:r>
+              <a:rPr lang="ja-JP" altLang="en-US" dirty="0"/>
+              <a:t>版の</a:t>
+            </a:r>
+            <a:r>
+              <a:rPr lang="en-US" altLang="ja-JP" dirty="0"/>
+              <a:t>IDA</a:t>
+            </a:r>
+            <a:r>
+              <a:rPr lang="ja-JP" altLang="en-US" dirty="0"/>
+              <a:t>みたいな使用感</a:t>
+            </a:r>
+            <a:r>
+              <a:rPr lang="en-US" altLang="ja-JP" dirty="0"/>
+              <a:t>.</a:t>
+            </a:r>
+          </a:p>
+          <a:p>
+            <a:pPr marL="0" indent="0">
+              <a:buNone/>
+            </a:pPr>
+            <a:r>
+              <a:rPr lang="ja-JP" altLang="en-US" dirty="0"/>
+              <a:t>・</a:t>
+            </a:r>
+            <a:r>
+              <a:rPr lang="en-US" altLang="ja-JP" dirty="0"/>
+              <a:t>Binary Ninja</a:t>
+            </a:r>
+            <a:r>
+              <a:rPr lang="ja-JP" altLang="en-US" dirty="0"/>
+              <a:t>：逆アセンブルと</a:t>
+            </a:r>
+            <a:r>
+              <a:rPr lang="en-US" altLang="ja-JP" dirty="0"/>
+              <a:t>Bin</a:t>
+            </a:r>
+            <a:r>
+              <a:rPr lang="ja-JP" altLang="en-US" dirty="0"/>
+              <a:t>エディタ</a:t>
+            </a:r>
+            <a:r>
+              <a:rPr lang="en-US" altLang="ja-JP" dirty="0"/>
+              <a:t>.</a:t>
+            </a:r>
+          </a:p>
+          <a:p>
+            <a:pPr marL="0" indent="0">
+              <a:buNone/>
+            </a:pPr>
+            <a:r>
+              <a:rPr lang="ja-JP" altLang="en-US" dirty="0"/>
+              <a:t>・</a:t>
+            </a:r>
+            <a:r>
+              <a:rPr lang="en-US" altLang="ja-JP" dirty="0"/>
+              <a:t>disassembler.io</a:t>
+            </a:r>
+            <a:r>
+              <a:rPr lang="ja-JP" altLang="en-US" dirty="0"/>
+              <a:t>：</a:t>
+            </a:r>
+            <a:r>
+              <a:rPr lang="en-US" altLang="ja-JP" dirty="0"/>
+              <a:t>web</a:t>
+            </a:r>
+            <a:r>
+              <a:rPr lang="ja-JP" altLang="en-US" dirty="0"/>
+              <a:t>上で逆アセンブル</a:t>
+            </a:r>
+            <a:r>
+              <a:rPr lang="en-US" altLang="ja-JP" dirty="0"/>
+              <a:t>.</a:t>
+            </a:r>
+          </a:p>
+          <a:p>
+            <a:pPr marL="0" indent="0">
+              <a:buNone/>
+            </a:pPr>
+            <a:r>
+              <a:rPr lang="ja-JP" altLang="en-US" dirty="0"/>
+              <a:t>・</a:t>
+            </a:r>
+            <a:r>
+              <a:rPr lang="en-US" altLang="ja-JP" dirty="0" err="1"/>
+              <a:t>Ollydbg</a:t>
+            </a:r>
+            <a:r>
+              <a:rPr lang="ja-JP" altLang="en-US" dirty="0"/>
+              <a:t>：</a:t>
+            </a:r>
+            <a:r>
+              <a:rPr lang="en-US" altLang="ja-JP" dirty="0"/>
+              <a:t>x64/x32 windows</a:t>
+            </a:r>
+            <a:r>
+              <a:rPr lang="ja-JP" altLang="en-US" dirty="0"/>
+              <a:t>デバッガ</a:t>
+            </a:r>
+            <a:r>
+              <a:rPr lang="en-US" altLang="ja-JP" dirty="0"/>
+              <a:t>.</a:t>
+            </a:r>
           </a:p>
         </p:txBody>
       </p:sp>
     </p:spTree>
     <p:extLst>
       <p:ext uri="{BB962C8B-B14F-4D97-AF65-F5344CB8AC3E}">
-        <p14:creationId xmlns:p14="http://schemas.microsoft.com/office/powerpoint/2010/main" val="1527931170"/>
+        <p14:creationId xmlns:p14="http://schemas.microsoft.com/office/powerpoint/2010/main" val="377969046"/>
       </p:ext>
     </p:extLst>
   </p:cSld>
@@ -7710,7 +7835,15 @@
             </a:r>
             <a:r>
               <a:rPr lang="en-US" altLang="ja-JP" dirty="0"/>
-              <a:t>(Crypto)</a:t>
+              <a:t>(</a:t>
+            </a:r>
+            <a:r>
+              <a:rPr lang="en-US" altLang="ja-JP" dirty="0" err="1"/>
+              <a:t>Pwnable</a:t>
+            </a:r>
+            <a:r>
+              <a:rPr lang="en-US" altLang="ja-JP" dirty="0"/>
+              <a:t>)</a:t>
             </a:r>
             <a:endParaRPr kumimoji="1" lang="ja-JP" altLang="en-US" dirty="0"/>
           </a:p>
@@ -7732,87 +7865,114 @@
             <p:ph idx="1"/>
           </p:nvPr>
         </p:nvSpPr>
-        <p:spPr>
-          <a:xfrm>
-            <a:off x="838199" y="1825625"/>
-            <a:ext cx="11258725" cy="4351338"/>
-          </a:xfrm>
-        </p:spPr>
+        <p:spPr/>
         <p:txBody>
           <a:bodyPr/>
           <a:lstStyle/>
           <a:p>
             <a:r>
-              <a:rPr lang="en-US" altLang="ja-JP" dirty="0" err="1"/>
-              <a:t>p</a:t>
-            </a:r>
-            <a:r>
               <a:rPr kumimoji="1" lang="en-US" altLang="ja-JP" dirty="0" err="1"/>
-              <a:t>ycrypto</a:t>
+              <a:t>gdb</a:t>
             </a:r>
             <a:r>
               <a:rPr kumimoji="1" lang="en-US" altLang="ja-JP" dirty="0"/>
               <a:t> </a:t>
             </a:r>
             <a:r>
+              <a:rPr lang="ja-JP" altLang="en-US" dirty="0"/>
+              <a:t>：</a:t>
+            </a:r>
+            <a:r>
               <a:rPr kumimoji="1" lang="ja-JP" altLang="en-US" dirty="0"/>
+              <a:t>デバッガ</a:t>
+            </a:r>
+            <a:endParaRPr lang="en-US" altLang="ja-JP" dirty="0"/>
+          </a:p>
+          <a:p>
+            <a:r>
+              <a:rPr lang="en-US" altLang="ja-JP" dirty="0" err="1"/>
+              <a:t>gdb-peda</a:t>
+            </a:r>
+            <a:r>
+              <a:rPr lang="ja-JP" altLang="en-US" dirty="0"/>
               <a:t>：</a:t>
             </a:r>
             <a:r>
+              <a:rPr lang="en-US" altLang="ja-JP" dirty="0" err="1"/>
+              <a:t>gdb</a:t>
+            </a:r>
+            <a:r>
+              <a:rPr lang="ja-JP" altLang="en-US" dirty="0"/>
+              <a:t>改</a:t>
+            </a:r>
+            <a:endParaRPr lang="en-US" altLang="ja-JP" dirty="0"/>
+          </a:p>
+          <a:p>
+            <a:r>
+              <a:rPr lang="en-US" altLang="ja-JP" dirty="0" err="1"/>
+              <a:t>ltrace</a:t>
+            </a:r>
+            <a:r>
+              <a:rPr lang="ja-JP" altLang="en-US" dirty="0"/>
+              <a:t>：コマンド</a:t>
+            </a:r>
+            <a:r>
+              <a:rPr lang="en-US" altLang="ja-JP" dirty="0"/>
+              <a:t>. library calls</a:t>
+            </a:r>
+            <a:r>
+              <a:rPr lang="ja-JP" altLang="en-US" dirty="0"/>
+              <a:t>を</a:t>
+            </a:r>
+            <a:r>
+              <a:rPr lang="en-US" altLang="ja-JP" dirty="0"/>
+              <a:t>trace.</a:t>
+            </a:r>
+          </a:p>
+          <a:p>
+            <a:r>
+              <a:rPr lang="en-US" altLang="ja-JP" dirty="0" err="1"/>
+              <a:t>strace</a:t>
+            </a:r>
+            <a:r>
+              <a:rPr lang="ja-JP" altLang="en-US" dirty="0"/>
+              <a:t>：コマンド</a:t>
+            </a:r>
+            <a:r>
+              <a:rPr lang="en-US" altLang="ja-JP" dirty="0"/>
+              <a:t>. </a:t>
+            </a:r>
+            <a:r>
+              <a:rPr lang="en-US" altLang="ja-JP" dirty="0" err="1"/>
+              <a:t>syscalls</a:t>
+            </a:r>
+            <a:r>
+              <a:rPr lang="ja-JP" altLang="en-US" dirty="0"/>
+              <a:t>を</a:t>
+            </a:r>
+            <a:r>
+              <a:rPr lang="en-US" altLang="ja-JP" dirty="0"/>
+              <a:t>trace.</a:t>
+            </a:r>
+          </a:p>
+          <a:p>
+            <a:r>
+              <a:rPr kumimoji="1" lang="en-US" altLang="ja-JP" dirty="0" err="1"/>
+              <a:t>Pwntools</a:t>
+            </a:r>
+            <a:r>
+              <a:rPr lang="ja-JP" altLang="en-US" dirty="0"/>
+              <a:t>：</a:t>
+            </a:r>
+            <a:r>
               <a:rPr kumimoji="1" lang="en-US" altLang="ja-JP" dirty="0"/>
-              <a:t>python</a:t>
-            </a:r>
-            <a:r>
-              <a:rPr kumimoji="1" lang="ja-JP" altLang="en-US" dirty="0"/>
-              <a:t>ライブラリ</a:t>
-            </a:r>
-            <a:r>
-              <a:rPr lang="en-US" altLang="ja-JP" dirty="0"/>
-              <a:t>.</a:t>
-            </a:r>
-          </a:p>
-          <a:p>
-            <a:r>
-              <a:rPr kumimoji="1" lang="en-US" altLang="ja-JP" dirty="0" err="1"/>
-              <a:t>CyberCh</a:t>
-            </a:r>
-            <a:r>
-              <a:rPr lang="en-US" altLang="ja-JP" dirty="0" err="1"/>
-              <a:t>ef</a:t>
-            </a:r>
-            <a:r>
-              <a:rPr lang="ja-JP" altLang="en-US" dirty="0"/>
-              <a:t>：各種変換なんでもできるマン</a:t>
-            </a:r>
-            <a:r>
-              <a:rPr lang="en-US" altLang="ja-JP" dirty="0"/>
-              <a:t>.</a:t>
-            </a:r>
-          </a:p>
-          <a:p>
-            <a:pPr marL="0" indent="0">
-              <a:buNone/>
-            </a:pPr>
-            <a:r>
-              <a:rPr lang="en-US" altLang="ja-JP" dirty="0"/>
-              <a:t>		</a:t>
-            </a:r>
-            <a:r>
-              <a:rPr lang="ja-JP" altLang="en-US" dirty="0"/>
-              <a:t>　</a:t>
-            </a:r>
-            <a:r>
-              <a:rPr lang="en-US" altLang="ja-JP" dirty="0"/>
-              <a:t>(</a:t>
-            </a:r>
-            <a:r>
-              <a:rPr lang="ja-JP" altLang="en-US" dirty="0"/>
-              <a:t>エンコードやらハッシュやら</a:t>
-            </a:r>
-            <a:r>
-              <a:rPr lang="en-US" altLang="ja-JP" dirty="0"/>
-              <a:t>)</a:t>
-            </a:r>
+              <a:t>Python</a:t>
+            </a:r>
+            <a:r>
+              <a:rPr lang="ja-JP" altLang="en-US" dirty="0"/>
+              <a:t>のライブラリ</a:t>
+            </a:r>
+            <a:endParaRPr lang="en-US" altLang="ja-JP" dirty="0"/>
           </a:p>
           <a:p>
             <a:pPr marL="0" indent="0">
@@ -7825,7 +7985,7 @@
     </p:spTree>
     <p:extLst>
       <p:ext uri="{BB962C8B-B14F-4D97-AF65-F5344CB8AC3E}">
-        <p14:creationId xmlns:p14="http://schemas.microsoft.com/office/powerpoint/2010/main" val="1122257414"/>
+        <p14:creationId xmlns:p14="http://schemas.microsoft.com/office/powerpoint/2010/main" val="1527931170"/>
       </p:ext>
     </p:extLst>
   </p:cSld>
@@ -7879,7 +8039,7 @@
             </a:r>
             <a:r>
               <a:rPr lang="en-US" altLang="ja-JP" dirty="0"/>
-              <a:t>(Web)</a:t>
+              <a:t>(Crypto)</a:t>
             </a:r>
             <a:endParaRPr kumimoji="1" lang="ja-JP" altLang="en-US" dirty="0"/>
           </a:p>
@@ -7901,44 +8061,57 @@
             <p:ph idx="1"/>
           </p:nvPr>
         </p:nvSpPr>
-        <p:spPr/>
+        <p:spPr>
+          <a:xfrm>
+            <a:off x="838199" y="1825625"/>
+            <a:ext cx="11258725" cy="4351338"/>
+          </a:xfrm>
+        </p:spPr>
         <p:txBody>
           <a:bodyPr/>
           <a:lstStyle/>
           <a:p>
             <a:r>
+              <a:rPr lang="en-US" altLang="ja-JP" dirty="0" err="1"/>
+              <a:t>p</a:t>
+            </a:r>
+            <a:r>
+              <a:rPr kumimoji="1" lang="en-US" altLang="ja-JP" dirty="0" err="1"/>
+              <a:t>ycrypto</a:t>
+            </a:r>
+            <a:r>
               <a:rPr kumimoji="1" lang="en-US" altLang="ja-JP" dirty="0"/>
-              <a:t>Fiddler </a:t>
+              <a:t> </a:t>
             </a:r>
             <a:r>
               <a:rPr kumimoji="1" lang="ja-JP" altLang="en-US" dirty="0"/>
               <a:t>：</a:t>
             </a:r>
             <a:r>
-              <a:rPr lang="ja-JP" altLang="en-US" dirty="0"/>
-              <a:t>ローカルプロキシ</a:t>
-            </a:r>
-            <a:r>
               <a:rPr kumimoji="1" lang="en-US" altLang="ja-JP" dirty="0"/>
+              <a:t>python</a:t>
+            </a:r>
+            <a:r>
+              <a:rPr kumimoji="1" lang="ja-JP" altLang="en-US" dirty="0"/>
+              <a:t>ライブラリ</a:t>
+            </a:r>
+            <a:r>
+              <a:rPr lang="en-US" altLang="ja-JP" dirty="0"/>
               <a:t>.</a:t>
             </a:r>
           </a:p>
           <a:p>
             <a:r>
-              <a:rPr lang="en-US" altLang="ja-JP" dirty="0"/>
-              <a:t>Burp Suite</a:t>
-            </a:r>
-            <a:r>
-              <a:rPr lang="ja-JP" altLang="en-US" dirty="0"/>
-              <a:t>：ローカルプロキシ</a:t>
-            </a:r>
-            <a:r>
-              <a:rPr lang="en-US" altLang="ja-JP" dirty="0"/>
-              <a:t>. Fiddler</a:t>
-            </a:r>
-            <a:r>
-              <a:rPr lang="ja-JP" altLang="en-US" dirty="0"/>
-              <a:t>より多機能</a:t>
+              <a:rPr kumimoji="1" lang="en-US" altLang="ja-JP" dirty="0" err="1"/>
+              <a:t>CyberCh</a:t>
+            </a:r>
+            <a:r>
+              <a:rPr lang="en-US" altLang="ja-JP" dirty="0" err="1"/>
+              <a:t>ef</a:t>
+            </a:r>
+            <a:r>
+              <a:rPr lang="ja-JP" altLang="en-US" dirty="0"/>
+              <a:t>：各種変換なんでもできるマン</a:t>
             </a:r>
             <a:r>
               <a:rPr lang="en-US" altLang="ja-JP" dirty="0"/>
@@ -7946,68 +8119,42 @@
             </a:r>
           </a:p>
           <a:p>
-            <a:r>
-              <a:rPr lang="en-US" altLang="ja-JP" dirty="0"/>
-              <a:t>Online JavaScript Beautifier</a:t>
-            </a:r>
-            <a:r>
-              <a:rPr lang="ja-JP" altLang="en-US" dirty="0"/>
-              <a:t>：</a:t>
-            </a:r>
-            <a:r>
-              <a:rPr lang="en-US" altLang="ja-JP" dirty="0" err="1"/>
-              <a:t>js</a:t>
-            </a:r>
-            <a:r>
-              <a:rPr lang="ja-JP" altLang="en-US" dirty="0"/>
-              <a:t>の難読化解除</a:t>
-            </a:r>
-            <a:r>
-              <a:rPr lang="en-US" altLang="ja-JP" dirty="0"/>
-              <a:t>.</a:t>
-            </a:r>
+            <a:pPr marL="0" indent="0">
+              <a:buNone/>
+            </a:pPr>
+            <a:r>
+              <a:rPr lang="en-US" altLang="ja-JP" dirty="0"/>
+              <a:t>		</a:t>
+            </a:r>
+            <a:r>
+              <a:rPr lang="ja-JP" altLang="en-US" dirty="0"/>
+              <a:t>　</a:t>
+            </a:r>
+            <a:r>
+              <a:rPr lang="en-US" altLang="ja-JP" dirty="0"/>
+              <a:t>(</a:t>
+            </a:r>
+            <a:r>
+              <a:rPr lang="ja-JP" altLang="en-US" dirty="0"/>
+              <a:t>エンコードやらハッシュやら</a:t>
+            </a:r>
+            <a:r>
+              <a:rPr lang="en-US" altLang="ja-JP" dirty="0"/>
+              <a:t>)</a:t>
+            </a:r>
+          </a:p>
+          <a:p>
+            <a:pPr marL="0" indent="0">
+              <a:buNone/>
+            </a:pPr>
             <a:endParaRPr kumimoji="1" lang="en-US" altLang="ja-JP" dirty="0"/>
-          </a:p>
-          <a:p>
-            <a:r>
-              <a:rPr kumimoji="1" lang="en-US" altLang="ja-JP" dirty="0" err="1"/>
-              <a:t>EditThisCo</a:t>
-            </a:r>
-            <a:r>
-              <a:rPr lang="en-US" altLang="ja-JP" dirty="0" err="1"/>
-              <a:t>okie</a:t>
-            </a:r>
-            <a:r>
-              <a:rPr lang="ja-JP" altLang="en-US" dirty="0"/>
-              <a:t>：</a:t>
-            </a:r>
-            <a:r>
-              <a:rPr lang="en-US" altLang="ja-JP" dirty="0"/>
-              <a:t>Cookie</a:t>
-            </a:r>
-            <a:r>
-              <a:rPr lang="ja-JP" altLang="en-US" dirty="0"/>
-              <a:t>の編集</a:t>
-            </a:r>
-            <a:r>
-              <a:rPr lang="en-US" altLang="ja-JP" dirty="0"/>
-              <a:t>. </a:t>
-            </a:r>
-            <a:r>
-              <a:rPr lang="ja-JP" altLang="en-US" dirty="0"/>
-              <a:t>ブラウザのアドオン</a:t>
-            </a:r>
-            <a:r>
-              <a:rPr lang="en-US" altLang="ja-JP" dirty="0"/>
-              <a:t>.</a:t>
-            </a:r>
           </a:p>
         </p:txBody>
       </p:sp>
     </p:spTree>
     <p:extLst>
       <p:ext uri="{BB962C8B-B14F-4D97-AF65-F5344CB8AC3E}">
-        <p14:creationId xmlns:p14="http://schemas.microsoft.com/office/powerpoint/2010/main" val="1393201036"/>
+        <p14:creationId xmlns:p14="http://schemas.microsoft.com/office/powerpoint/2010/main" val="1122257414"/>
       </p:ext>
     </p:extLst>
   </p:cSld>

--- a/Document.pptx
+++ b/Document.pptx
@@ -272,7 +272,7 @@
           <a:p>
             <a:fld id="{5CCCC0B6-2B48-4980-8A18-8FE66188D579}" type="datetimeFigureOut">
               <a:rPr kumimoji="1" lang="ja-JP" altLang="en-US" smtClean="0"/>
-              <a:t>2019/4/19</a:t>
+              <a:t>2019/4/22</a:t>
             </a:fld>
             <a:endParaRPr kumimoji="1" lang="ja-JP" altLang="en-US"/>
           </a:p>
@@ -502,7 +502,7 @@
           <a:p>
             <a:fld id="{5CCCC0B6-2B48-4980-8A18-8FE66188D579}" type="datetimeFigureOut">
               <a:rPr kumimoji="1" lang="ja-JP" altLang="en-US" smtClean="0"/>
-              <a:t>2019/4/19</a:t>
+              <a:t>2019/4/22</a:t>
             </a:fld>
             <a:endParaRPr kumimoji="1" lang="ja-JP" altLang="en-US"/>
           </a:p>
@@ -742,7 +742,7 @@
           <a:p>
             <a:fld id="{5CCCC0B6-2B48-4980-8A18-8FE66188D579}" type="datetimeFigureOut">
               <a:rPr kumimoji="1" lang="ja-JP" altLang="en-US" smtClean="0"/>
-              <a:t>2019/4/19</a:t>
+              <a:t>2019/4/22</a:t>
             </a:fld>
             <a:endParaRPr kumimoji="1" lang="ja-JP" altLang="en-US"/>
           </a:p>
@@ -972,7 +972,7 @@
           <a:p>
             <a:fld id="{5CCCC0B6-2B48-4980-8A18-8FE66188D579}" type="datetimeFigureOut">
               <a:rPr kumimoji="1" lang="ja-JP" altLang="en-US" smtClean="0"/>
-              <a:t>2019/4/19</a:t>
+              <a:t>2019/4/22</a:t>
             </a:fld>
             <a:endParaRPr kumimoji="1" lang="ja-JP" altLang="en-US"/>
           </a:p>
@@ -1247,7 +1247,7 @@
           <a:p>
             <a:fld id="{5CCCC0B6-2B48-4980-8A18-8FE66188D579}" type="datetimeFigureOut">
               <a:rPr kumimoji="1" lang="ja-JP" altLang="en-US" smtClean="0"/>
-              <a:t>2019/4/19</a:t>
+              <a:t>2019/4/22</a:t>
             </a:fld>
             <a:endParaRPr kumimoji="1" lang="ja-JP" altLang="en-US"/>
           </a:p>
@@ -1576,7 +1576,7 @@
           <a:p>
             <a:fld id="{5CCCC0B6-2B48-4980-8A18-8FE66188D579}" type="datetimeFigureOut">
               <a:rPr kumimoji="1" lang="ja-JP" altLang="en-US" smtClean="0"/>
-              <a:t>2019/4/19</a:t>
+              <a:t>2019/4/22</a:t>
             </a:fld>
             <a:endParaRPr kumimoji="1" lang="ja-JP" altLang="en-US"/>
           </a:p>
@@ -2052,7 +2052,7 @@
           <a:p>
             <a:fld id="{5CCCC0B6-2B48-4980-8A18-8FE66188D579}" type="datetimeFigureOut">
               <a:rPr kumimoji="1" lang="ja-JP" altLang="en-US" smtClean="0"/>
-              <a:t>2019/4/19</a:t>
+              <a:t>2019/4/22</a:t>
             </a:fld>
             <a:endParaRPr kumimoji="1" lang="ja-JP" altLang="en-US"/>
           </a:p>
@@ -2193,7 +2193,7 @@
           <a:p>
             <a:fld id="{5CCCC0B6-2B48-4980-8A18-8FE66188D579}" type="datetimeFigureOut">
               <a:rPr kumimoji="1" lang="ja-JP" altLang="en-US" smtClean="0"/>
-              <a:t>2019/4/19</a:t>
+              <a:t>2019/4/22</a:t>
             </a:fld>
             <a:endParaRPr kumimoji="1" lang="ja-JP" altLang="en-US"/>
           </a:p>
@@ -2306,7 +2306,7 @@
           <a:p>
             <a:fld id="{5CCCC0B6-2B48-4980-8A18-8FE66188D579}" type="datetimeFigureOut">
               <a:rPr kumimoji="1" lang="ja-JP" altLang="en-US" smtClean="0"/>
-              <a:t>2019/4/19</a:t>
+              <a:t>2019/4/22</a:t>
             </a:fld>
             <a:endParaRPr kumimoji="1" lang="ja-JP" altLang="en-US"/>
           </a:p>
@@ -2649,7 +2649,7 @@
           <a:p>
             <a:fld id="{5CCCC0B6-2B48-4980-8A18-8FE66188D579}" type="datetimeFigureOut">
               <a:rPr kumimoji="1" lang="ja-JP" altLang="en-US" smtClean="0"/>
-              <a:t>2019/4/19</a:t>
+              <a:t>2019/4/22</a:t>
             </a:fld>
             <a:endParaRPr kumimoji="1" lang="ja-JP" altLang="en-US"/>
           </a:p>
@@ -2937,7 +2937,7 @@
           <a:p>
             <a:fld id="{5CCCC0B6-2B48-4980-8A18-8FE66188D579}" type="datetimeFigureOut">
               <a:rPr kumimoji="1" lang="ja-JP" altLang="en-US" smtClean="0"/>
-              <a:t>2019/4/19</a:t>
+              <a:t>2019/4/22</a:t>
             </a:fld>
             <a:endParaRPr kumimoji="1" lang="ja-JP" altLang="en-US"/>
           </a:p>
@@ -3210,7 +3210,7 @@
           <a:p>
             <a:fld id="{5CCCC0B6-2B48-4980-8A18-8FE66188D579}" type="datetimeFigureOut">
               <a:rPr kumimoji="1" lang="ja-JP" altLang="en-US" smtClean="0"/>
-              <a:t>2019/4/19</a:t>
+              <a:t>2019/4/22</a:t>
             </a:fld>
             <a:endParaRPr kumimoji="1" lang="ja-JP" altLang="en-US"/>
           </a:p>
@@ -3652,7 +3652,13 @@
               <a:rPr kumimoji="1" lang="en-US" altLang="ja-JP" dirty="0"/>
               <a:t>CTF(Capture The Flag)</a:t>
             </a:r>
-            <a:endParaRPr kumimoji="1" lang="ja-JP" altLang="en-US" dirty="0"/>
+            <a:br>
+              <a:rPr kumimoji="1" lang="en-US" altLang="ja-JP" dirty="0"/>
+            </a:br>
+            <a:r>
+              <a:rPr kumimoji="1" lang="ja-JP" altLang="en-US" dirty="0"/>
+              <a:t>布教会</a:t>
+            </a:r>
           </a:p>
         </p:txBody>
       </p:sp>
@@ -7641,15 +7647,7 @@
             </a:r>
             <a:r>
               <a:rPr lang="en-US" altLang="ja-JP" dirty="0"/>
-              <a:t>.			 Python</a:t>
-            </a:r>
-            <a:r>
-              <a:rPr lang="ja-JP" altLang="en-US" dirty="0"/>
-              <a:t>のスクリプトが使える</a:t>
-            </a:r>
-            <a:r>
-              <a:rPr lang="en-US" altLang="ja-JP" dirty="0"/>
-              <a:t>.</a:t>
+              <a:t>.	</a:t>
             </a:r>
           </a:p>
           <a:p>
